--- a/Development of Social for Restaurant Recommendation Project.pptx
+++ b/Development of Social for Restaurant Recommendation Project.pptx
@@ -105,6 +105,11 @@
       </a:defRPr>
     </a:lvl9pPr>
   </p:defaultTextStyle>
+  <p:extLst>
+    <p:ext uri="{EFAFB233-063F-42B5-8137-9DF3F51BA10A}">
+      <p15:sldGuideLst xmlns:p15="http://schemas.microsoft.com/office/powerpoint/2012/main"/>
+    </p:ext>
+  </p:extLst>
 </p:presentation>
 </file>
 
@@ -3516,7 +3521,7 @@
           <a:p>
             <a:r>
               <a:rPr lang="en-US" dirty="0"/>
-              <a:t>Nowadays, rapid the rapid development of wireless technology and mobile has evolved so that data can be easily accessed. </a:t>
+              <a:t>Nowadays, rapid the rapid development of wireless technology and mobile has evolved so that data can be easily accessed.</a:t>
             </a:r>
           </a:p>
           <a:p>

--- a/Development of Social for Restaurant Recommendation Project.pptx
+++ b/Development of Social for Restaurant Recommendation Project.pptx
@@ -2,11 +2,19 @@
 <file path=ppt/presentation.xml><?xml version="1.0" encoding="utf-8"?>
 <p:presentation xmlns:a="http://schemas.openxmlformats.org/drawingml/2006/main" xmlns:r="http://schemas.openxmlformats.org/officeDocument/2006/relationships" xmlns:p="http://schemas.openxmlformats.org/presentationml/2006/main" saveSubsetFonts="1">
   <p:sldMasterIdLst>
-    <p:sldMasterId id="2147483648" r:id="rId1"/>
+    <p:sldMasterId id="2147483714" r:id="rId1"/>
   </p:sldMasterIdLst>
   <p:sldIdLst>
     <p:sldId id="256" r:id="rId2"/>
     <p:sldId id="257" r:id="rId3"/>
+    <p:sldId id="258" r:id="rId4"/>
+    <p:sldId id="259" r:id="rId5"/>
+    <p:sldId id="260" r:id="rId6"/>
+    <p:sldId id="261" r:id="rId7"/>
+    <p:sldId id="262" r:id="rId8"/>
+    <p:sldId id="263" r:id="rId9"/>
+    <p:sldId id="264" r:id="rId10"/>
+    <p:sldId id="265" r:id="rId11"/>
   </p:sldIdLst>
   <p:sldSz cx="12192000" cy="6858000"/>
   <p:notesSz cx="6858000" cy="9144000"/>
@@ -139,7 +147,7 @@
           <p:cNvPr id="2" name="ชื่อเรื่อง 1">
             <a:extLst>
               <a:ext uri="{FF2B5EF4-FFF2-40B4-BE49-F238E27FC236}">
-                <a16:creationId xmlns:a16="http://schemas.microsoft.com/office/drawing/2014/main" id="{E57C1D92-0713-4344-95FF-6EF35C5588AC}"/>
+                <a16:creationId xmlns:a16="http://schemas.microsoft.com/office/drawing/2014/main" id="{1538B757-4A3E-419E-A3D6-76A638DFC7FD}"/>
               </a:ext>
             </a:extLst>
           </p:cNvPr>
@@ -177,7 +185,7 @@
           <p:cNvPr id="3" name="ชื่อเรื่องรอง 2">
             <a:extLst>
               <a:ext uri="{FF2B5EF4-FFF2-40B4-BE49-F238E27FC236}">
-                <a16:creationId xmlns:a16="http://schemas.microsoft.com/office/drawing/2014/main" id="{0BBE2570-9483-49CB-B243-1637DA332D88}"/>
+                <a16:creationId xmlns:a16="http://schemas.microsoft.com/office/drawing/2014/main" id="{0FAF9001-917B-4899-B520-B73A840F87EA}"/>
               </a:ext>
             </a:extLst>
           </p:cNvPr>
@@ -248,7 +256,7 @@
           <p:cNvPr id="4" name="ตัวแทนวันที่ 3">
             <a:extLst>
               <a:ext uri="{FF2B5EF4-FFF2-40B4-BE49-F238E27FC236}">
-                <a16:creationId xmlns:a16="http://schemas.microsoft.com/office/drawing/2014/main" id="{E3FF8712-8518-4A7E-9058-96B58467C86F}"/>
+                <a16:creationId xmlns:a16="http://schemas.microsoft.com/office/drawing/2014/main" id="{45A58007-B95F-474C-B3A7-C63A62ED7CB4}"/>
               </a:ext>
             </a:extLst>
           </p:cNvPr>
@@ -277,7 +285,7 @@
           <p:cNvPr id="5" name="ตัวแทนท้ายกระดาษ 4">
             <a:extLst>
               <a:ext uri="{FF2B5EF4-FFF2-40B4-BE49-F238E27FC236}">
-                <a16:creationId xmlns:a16="http://schemas.microsoft.com/office/drawing/2014/main" id="{FC96E3E7-45C4-4D9B-9085-E9D5BD49E3C2}"/>
+                <a16:creationId xmlns:a16="http://schemas.microsoft.com/office/drawing/2014/main" id="{34AC506A-2111-4722-B4FB-A182305F9377}"/>
               </a:ext>
             </a:extLst>
           </p:cNvPr>
@@ -302,7 +310,7 @@
           <p:cNvPr id="6" name="ตัวแทนหมายเลขสไลด์ 5">
             <a:extLst>
               <a:ext uri="{FF2B5EF4-FFF2-40B4-BE49-F238E27FC236}">
-                <a16:creationId xmlns:a16="http://schemas.microsoft.com/office/drawing/2014/main" id="{64B5DA96-A6A2-4322-B9A9-789255AFAB45}"/>
+                <a16:creationId xmlns:a16="http://schemas.microsoft.com/office/drawing/2014/main" id="{28F0FB73-C144-4025-BF53-D9C802B545FE}"/>
               </a:ext>
             </a:extLst>
           </p:cNvPr>
@@ -329,7 +337,7 @@
     </p:spTree>
     <p:extLst>
       <p:ext uri="{BB962C8B-B14F-4D97-AF65-F5344CB8AC3E}">
-        <p14:creationId xmlns:p14="http://schemas.microsoft.com/office/powerpoint/2010/main" val="2267423318"/>
+        <p14:creationId xmlns:p14="http://schemas.microsoft.com/office/powerpoint/2010/main" val="2661584227"/>
       </p:ext>
     </p:extLst>
   </p:cSld>
@@ -361,7 +369,7 @@
           <p:cNvPr id="2" name="ชื่อเรื่อง 1">
             <a:extLst>
               <a:ext uri="{FF2B5EF4-FFF2-40B4-BE49-F238E27FC236}">
-                <a16:creationId xmlns:a16="http://schemas.microsoft.com/office/drawing/2014/main" id="{5517539B-F509-4235-8113-6A4156D67B1D}"/>
+                <a16:creationId xmlns:a16="http://schemas.microsoft.com/office/drawing/2014/main" id="{9E166A74-F15F-42E0-A2D4-AB956D92C6FC}"/>
               </a:ext>
             </a:extLst>
           </p:cNvPr>
@@ -390,7 +398,7 @@
           <p:cNvPr id="3" name="ตัวแทนข้อความแนวตั้ง 2">
             <a:extLst>
               <a:ext uri="{FF2B5EF4-FFF2-40B4-BE49-F238E27FC236}">
-                <a16:creationId xmlns:a16="http://schemas.microsoft.com/office/drawing/2014/main" id="{A2EFCD9B-A5D1-4157-9B00-16DC9D14D97D}"/>
+                <a16:creationId xmlns:a16="http://schemas.microsoft.com/office/drawing/2014/main" id="{456686C7-DF70-4C6B-9D4F-D7F77E4F3532}"/>
               </a:ext>
             </a:extLst>
           </p:cNvPr>
@@ -448,7 +456,7 @@
           <p:cNvPr id="4" name="ตัวแทนวันที่ 3">
             <a:extLst>
               <a:ext uri="{FF2B5EF4-FFF2-40B4-BE49-F238E27FC236}">
-                <a16:creationId xmlns:a16="http://schemas.microsoft.com/office/drawing/2014/main" id="{FF43BCDA-37D2-4707-9F61-ABC02F73D9C0}"/>
+                <a16:creationId xmlns:a16="http://schemas.microsoft.com/office/drawing/2014/main" id="{ED20E7A9-8F4C-4B9E-8D4A-EF51F50CD811}"/>
               </a:ext>
             </a:extLst>
           </p:cNvPr>
@@ -477,7 +485,7 @@
           <p:cNvPr id="5" name="ตัวแทนท้ายกระดาษ 4">
             <a:extLst>
               <a:ext uri="{FF2B5EF4-FFF2-40B4-BE49-F238E27FC236}">
-                <a16:creationId xmlns:a16="http://schemas.microsoft.com/office/drawing/2014/main" id="{E95E92FF-7B0B-449E-842A-1F613046BCB6}"/>
+                <a16:creationId xmlns:a16="http://schemas.microsoft.com/office/drawing/2014/main" id="{23699498-2302-40F0-8DC1-ED9F03CBDD19}"/>
               </a:ext>
             </a:extLst>
           </p:cNvPr>
@@ -502,7 +510,7 @@
           <p:cNvPr id="6" name="ตัวแทนหมายเลขสไลด์ 5">
             <a:extLst>
               <a:ext uri="{FF2B5EF4-FFF2-40B4-BE49-F238E27FC236}">
-                <a16:creationId xmlns:a16="http://schemas.microsoft.com/office/drawing/2014/main" id="{0BDDC1AF-A985-44A0-8298-F5A0687B63F0}"/>
+                <a16:creationId xmlns:a16="http://schemas.microsoft.com/office/drawing/2014/main" id="{617FDF67-B860-4066-958E-F5728C54811C}"/>
               </a:ext>
             </a:extLst>
           </p:cNvPr>
@@ -529,7 +537,7 @@
     </p:spTree>
     <p:extLst>
       <p:ext uri="{BB962C8B-B14F-4D97-AF65-F5344CB8AC3E}">
-        <p14:creationId xmlns:p14="http://schemas.microsoft.com/office/powerpoint/2010/main" val="2598783799"/>
+        <p14:creationId xmlns:p14="http://schemas.microsoft.com/office/powerpoint/2010/main" val="698950453"/>
       </p:ext>
     </p:extLst>
   </p:cSld>
@@ -561,7 +569,7 @@
           <p:cNvPr id="2" name="ชื่อเรื่องแนวตั้ง 1">
             <a:extLst>
               <a:ext uri="{FF2B5EF4-FFF2-40B4-BE49-F238E27FC236}">
-                <a16:creationId xmlns:a16="http://schemas.microsoft.com/office/drawing/2014/main" id="{1ABEC7A9-3BE2-46B3-AAB9-319D7F8591A3}"/>
+                <a16:creationId xmlns:a16="http://schemas.microsoft.com/office/drawing/2014/main" id="{6580A879-FCCA-4E50-A174-4867A10197B9}"/>
               </a:ext>
             </a:extLst>
           </p:cNvPr>
@@ -595,7 +603,7 @@
           <p:cNvPr id="3" name="ตัวแทนข้อความแนวตั้ง 2">
             <a:extLst>
               <a:ext uri="{FF2B5EF4-FFF2-40B4-BE49-F238E27FC236}">
-                <a16:creationId xmlns:a16="http://schemas.microsoft.com/office/drawing/2014/main" id="{B6A45A03-DCCA-4BBF-AAD3-7AFD4FD303FB}"/>
+                <a16:creationId xmlns:a16="http://schemas.microsoft.com/office/drawing/2014/main" id="{2AB396B1-9D83-43AE-B7D4-D59D4CFB1721}"/>
               </a:ext>
             </a:extLst>
           </p:cNvPr>
@@ -658,7 +666,7 @@
           <p:cNvPr id="4" name="ตัวแทนวันที่ 3">
             <a:extLst>
               <a:ext uri="{FF2B5EF4-FFF2-40B4-BE49-F238E27FC236}">
-                <a16:creationId xmlns:a16="http://schemas.microsoft.com/office/drawing/2014/main" id="{D87488A3-DC05-4B03-8A08-0E057AFB5DE8}"/>
+                <a16:creationId xmlns:a16="http://schemas.microsoft.com/office/drawing/2014/main" id="{90FEE55D-D171-4EB4-A272-52B8CE5E8E4B}"/>
               </a:ext>
             </a:extLst>
           </p:cNvPr>
@@ -687,7 +695,7 @@
           <p:cNvPr id="5" name="ตัวแทนท้ายกระดาษ 4">
             <a:extLst>
               <a:ext uri="{FF2B5EF4-FFF2-40B4-BE49-F238E27FC236}">
-                <a16:creationId xmlns:a16="http://schemas.microsoft.com/office/drawing/2014/main" id="{7E797465-1AEB-4170-BF09-A17A505E3001}"/>
+                <a16:creationId xmlns:a16="http://schemas.microsoft.com/office/drawing/2014/main" id="{F70E5D84-0D52-457E-9C31-6E43B58A1DCF}"/>
               </a:ext>
             </a:extLst>
           </p:cNvPr>
@@ -712,7 +720,7 @@
           <p:cNvPr id="6" name="ตัวแทนหมายเลขสไลด์ 5">
             <a:extLst>
               <a:ext uri="{FF2B5EF4-FFF2-40B4-BE49-F238E27FC236}">
-                <a16:creationId xmlns:a16="http://schemas.microsoft.com/office/drawing/2014/main" id="{3CBBB42D-5284-4687-8AC3-F5FA976068E1}"/>
+                <a16:creationId xmlns:a16="http://schemas.microsoft.com/office/drawing/2014/main" id="{3A2DF0F5-005F-4CBD-A7B8-2F2DFE6FE0A2}"/>
               </a:ext>
             </a:extLst>
           </p:cNvPr>
@@ -739,7 +747,7 @@
     </p:spTree>
     <p:extLst>
       <p:ext uri="{BB962C8B-B14F-4D97-AF65-F5344CB8AC3E}">
-        <p14:creationId xmlns:p14="http://schemas.microsoft.com/office/powerpoint/2010/main" val="642152611"/>
+        <p14:creationId xmlns:p14="http://schemas.microsoft.com/office/powerpoint/2010/main" val="545879454"/>
       </p:ext>
     </p:extLst>
   </p:cSld>
@@ -771,7 +779,7 @@
           <p:cNvPr id="2" name="ชื่อเรื่อง 1">
             <a:extLst>
               <a:ext uri="{FF2B5EF4-FFF2-40B4-BE49-F238E27FC236}">
-                <a16:creationId xmlns:a16="http://schemas.microsoft.com/office/drawing/2014/main" id="{EED24A89-A596-4E99-A6D6-EAC46A1F89F9}"/>
+                <a16:creationId xmlns:a16="http://schemas.microsoft.com/office/drawing/2014/main" id="{826F065B-74F4-4678-AB93-FBF10E44EF44}"/>
               </a:ext>
             </a:extLst>
           </p:cNvPr>
@@ -800,7 +808,7 @@
           <p:cNvPr id="3" name="ตัวแทนเนื้อหา 2">
             <a:extLst>
               <a:ext uri="{FF2B5EF4-FFF2-40B4-BE49-F238E27FC236}">
-                <a16:creationId xmlns:a16="http://schemas.microsoft.com/office/drawing/2014/main" id="{6CCE7401-4976-4431-B8A4-076CE480DD04}"/>
+                <a16:creationId xmlns:a16="http://schemas.microsoft.com/office/drawing/2014/main" id="{E3B7C94F-4E80-4718-AD12-6BB8D3FC5B29}"/>
               </a:ext>
             </a:extLst>
           </p:cNvPr>
@@ -858,7 +866,7 @@
           <p:cNvPr id="4" name="ตัวแทนวันที่ 3">
             <a:extLst>
               <a:ext uri="{FF2B5EF4-FFF2-40B4-BE49-F238E27FC236}">
-                <a16:creationId xmlns:a16="http://schemas.microsoft.com/office/drawing/2014/main" id="{C7F6ED80-00D2-4065-9251-09B93D6B24AE}"/>
+                <a16:creationId xmlns:a16="http://schemas.microsoft.com/office/drawing/2014/main" id="{47F99341-A462-4841-A577-D85B08A80CC5}"/>
               </a:ext>
             </a:extLst>
           </p:cNvPr>
@@ -887,7 +895,7 @@
           <p:cNvPr id="5" name="ตัวแทนท้ายกระดาษ 4">
             <a:extLst>
               <a:ext uri="{FF2B5EF4-FFF2-40B4-BE49-F238E27FC236}">
-                <a16:creationId xmlns:a16="http://schemas.microsoft.com/office/drawing/2014/main" id="{04FFFE6D-3DE3-46E4-847E-02EE22E4061F}"/>
+                <a16:creationId xmlns:a16="http://schemas.microsoft.com/office/drawing/2014/main" id="{F2262713-6646-458D-A084-3395B7C5FD4E}"/>
               </a:ext>
             </a:extLst>
           </p:cNvPr>
@@ -912,7 +920,7 @@
           <p:cNvPr id="6" name="ตัวแทนหมายเลขสไลด์ 5">
             <a:extLst>
               <a:ext uri="{FF2B5EF4-FFF2-40B4-BE49-F238E27FC236}">
-                <a16:creationId xmlns:a16="http://schemas.microsoft.com/office/drawing/2014/main" id="{59E63FF7-0B79-4905-A828-AD91F71AE685}"/>
+                <a16:creationId xmlns:a16="http://schemas.microsoft.com/office/drawing/2014/main" id="{270A46FA-73DA-4E40-8CA3-968AB70C91A8}"/>
               </a:ext>
             </a:extLst>
           </p:cNvPr>
@@ -939,7 +947,7 @@
     </p:spTree>
     <p:extLst>
       <p:ext uri="{BB962C8B-B14F-4D97-AF65-F5344CB8AC3E}">
-        <p14:creationId xmlns:p14="http://schemas.microsoft.com/office/powerpoint/2010/main" val="553910393"/>
+        <p14:creationId xmlns:p14="http://schemas.microsoft.com/office/powerpoint/2010/main" val="3083928606"/>
       </p:ext>
     </p:extLst>
   </p:cSld>
@@ -971,7 +979,7 @@
           <p:cNvPr id="2" name="ชื่อเรื่อง 1">
             <a:extLst>
               <a:ext uri="{FF2B5EF4-FFF2-40B4-BE49-F238E27FC236}">
-                <a16:creationId xmlns:a16="http://schemas.microsoft.com/office/drawing/2014/main" id="{CE76514E-82B3-4F4D-8BE0-A7695BDAF414}"/>
+                <a16:creationId xmlns:a16="http://schemas.microsoft.com/office/drawing/2014/main" id="{DD6FB05B-7EE9-4DE8-BAA9-184A8EF3EB06}"/>
               </a:ext>
             </a:extLst>
           </p:cNvPr>
@@ -1009,7 +1017,7 @@
           <p:cNvPr id="3" name="ตัวแทนข้อความ 2">
             <a:extLst>
               <a:ext uri="{FF2B5EF4-FFF2-40B4-BE49-F238E27FC236}">
-                <a16:creationId xmlns:a16="http://schemas.microsoft.com/office/drawing/2014/main" id="{BA3F3DCA-CA27-42B8-8BF2-04E171002BB5}"/>
+                <a16:creationId xmlns:a16="http://schemas.microsoft.com/office/drawing/2014/main" id="{D75F1409-413C-4CC0-8ADE-B385AFE785EC}"/>
               </a:ext>
             </a:extLst>
           </p:cNvPr>
@@ -1134,7 +1142,7 @@
           <p:cNvPr id="4" name="ตัวแทนวันที่ 3">
             <a:extLst>
               <a:ext uri="{FF2B5EF4-FFF2-40B4-BE49-F238E27FC236}">
-                <a16:creationId xmlns:a16="http://schemas.microsoft.com/office/drawing/2014/main" id="{A29CDEDE-E8A8-4032-968C-CE42F02E996A}"/>
+                <a16:creationId xmlns:a16="http://schemas.microsoft.com/office/drawing/2014/main" id="{A7C42641-520A-4070-83DE-58A37DF84C76}"/>
               </a:ext>
             </a:extLst>
           </p:cNvPr>
@@ -1163,7 +1171,7 @@
           <p:cNvPr id="5" name="ตัวแทนท้ายกระดาษ 4">
             <a:extLst>
               <a:ext uri="{FF2B5EF4-FFF2-40B4-BE49-F238E27FC236}">
-                <a16:creationId xmlns:a16="http://schemas.microsoft.com/office/drawing/2014/main" id="{010436C0-9C1D-4EF3-97F6-1F87D60F177E}"/>
+                <a16:creationId xmlns:a16="http://schemas.microsoft.com/office/drawing/2014/main" id="{85C17488-4F18-4ECA-BA5B-0245C680BDC5}"/>
               </a:ext>
             </a:extLst>
           </p:cNvPr>
@@ -1188,7 +1196,7 @@
           <p:cNvPr id="6" name="ตัวแทนหมายเลขสไลด์ 5">
             <a:extLst>
               <a:ext uri="{FF2B5EF4-FFF2-40B4-BE49-F238E27FC236}">
-                <a16:creationId xmlns:a16="http://schemas.microsoft.com/office/drawing/2014/main" id="{993DD55B-A189-4320-949D-69A9004F2C19}"/>
+                <a16:creationId xmlns:a16="http://schemas.microsoft.com/office/drawing/2014/main" id="{F7A3C3C8-A6E2-4023-B8F8-6B7E7A36C93B}"/>
               </a:ext>
             </a:extLst>
           </p:cNvPr>
@@ -1215,7 +1223,7 @@
     </p:spTree>
     <p:extLst>
       <p:ext uri="{BB962C8B-B14F-4D97-AF65-F5344CB8AC3E}">
-        <p14:creationId xmlns:p14="http://schemas.microsoft.com/office/powerpoint/2010/main" val="3986246003"/>
+        <p14:creationId xmlns:p14="http://schemas.microsoft.com/office/powerpoint/2010/main" val="2038414828"/>
       </p:ext>
     </p:extLst>
   </p:cSld>
@@ -1247,7 +1255,7 @@
           <p:cNvPr id="2" name="ชื่อเรื่อง 1">
             <a:extLst>
               <a:ext uri="{FF2B5EF4-FFF2-40B4-BE49-F238E27FC236}">
-                <a16:creationId xmlns:a16="http://schemas.microsoft.com/office/drawing/2014/main" id="{8B28782F-DC7E-4EFA-AD23-A9658A809CFB}"/>
+                <a16:creationId xmlns:a16="http://schemas.microsoft.com/office/drawing/2014/main" id="{F6BCAC21-6E65-463F-BC6C-94568DF9BFB2}"/>
               </a:ext>
             </a:extLst>
           </p:cNvPr>
@@ -1276,7 +1284,7 @@
           <p:cNvPr id="3" name="ตัวแทนเนื้อหา 2">
             <a:extLst>
               <a:ext uri="{FF2B5EF4-FFF2-40B4-BE49-F238E27FC236}">
-                <a16:creationId xmlns:a16="http://schemas.microsoft.com/office/drawing/2014/main" id="{C8CF0953-5AAB-461D-BABF-1039B1540FF8}"/>
+                <a16:creationId xmlns:a16="http://schemas.microsoft.com/office/drawing/2014/main" id="{E7EC7326-72A5-48DD-82E1-D989EA81313F}"/>
               </a:ext>
             </a:extLst>
           </p:cNvPr>
@@ -1339,7 +1347,7 @@
           <p:cNvPr id="4" name="ตัวแทนเนื้อหา 3">
             <a:extLst>
               <a:ext uri="{FF2B5EF4-FFF2-40B4-BE49-F238E27FC236}">
-                <a16:creationId xmlns:a16="http://schemas.microsoft.com/office/drawing/2014/main" id="{5166C181-5CF6-4647-A079-85969B1DA4A3}"/>
+                <a16:creationId xmlns:a16="http://schemas.microsoft.com/office/drawing/2014/main" id="{1A036E2A-E0E2-4B63-BD80-01AAA610475A}"/>
               </a:ext>
             </a:extLst>
           </p:cNvPr>
@@ -1402,7 +1410,7 @@
           <p:cNvPr id="5" name="ตัวแทนวันที่ 4">
             <a:extLst>
               <a:ext uri="{FF2B5EF4-FFF2-40B4-BE49-F238E27FC236}">
-                <a16:creationId xmlns:a16="http://schemas.microsoft.com/office/drawing/2014/main" id="{55340285-5C6C-44EB-B02E-DB039EE1BBA5}"/>
+                <a16:creationId xmlns:a16="http://schemas.microsoft.com/office/drawing/2014/main" id="{E93F3129-514A-4E61-B7A3-AD6708176513}"/>
               </a:ext>
             </a:extLst>
           </p:cNvPr>
@@ -1431,7 +1439,7 @@
           <p:cNvPr id="6" name="ตัวแทนท้ายกระดาษ 5">
             <a:extLst>
               <a:ext uri="{FF2B5EF4-FFF2-40B4-BE49-F238E27FC236}">
-                <a16:creationId xmlns:a16="http://schemas.microsoft.com/office/drawing/2014/main" id="{CF3556D7-492D-4FC4-B99A-54CA6F761DE7}"/>
+                <a16:creationId xmlns:a16="http://schemas.microsoft.com/office/drawing/2014/main" id="{BDBAC06C-01F9-45CA-9772-BDEBBE7BB655}"/>
               </a:ext>
             </a:extLst>
           </p:cNvPr>
@@ -1456,7 +1464,7 @@
           <p:cNvPr id="7" name="ตัวแทนหมายเลขสไลด์ 6">
             <a:extLst>
               <a:ext uri="{FF2B5EF4-FFF2-40B4-BE49-F238E27FC236}">
-                <a16:creationId xmlns:a16="http://schemas.microsoft.com/office/drawing/2014/main" id="{99B5D80E-81DF-4DED-9462-78CDFB32505C}"/>
+                <a16:creationId xmlns:a16="http://schemas.microsoft.com/office/drawing/2014/main" id="{1582A7C5-F7E6-405D-8D33-51300C5F6EF6}"/>
               </a:ext>
             </a:extLst>
           </p:cNvPr>
@@ -1483,7 +1491,7 @@
     </p:spTree>
     <p:extLst>
       <p:ext uri="{BB962C8B-B14F-4D97-AF65-F5344CB8AC3E}">
-        <p14:creationId xmlns:p14="http://schemas.microsoft.com/office/powerpoint/2010/main" val="1373091366"/>
+        <p14:creationId xmlns:p14="http://schemas.microsoft.com/office/powerpoint/2010/main" val="1843236808"/>
       </p:ext>
     </p:extLst>
   </p:cSld>
@@ -1515,7 +1523,7 @@
           <p:cNvPr id="2" name="ชื่อเรื่อง 1">
             <a:extLst>
               <a:ext uri="{FF2B5EF4-FFF2-40B4-BE49-F238E27FC236}">
-                <a16:creationId xmlns:a16="http://schemas.microsoft.com/office/drawing/2014/main" id="{CB534B0B-3021-4D53-9557-6C81F80062C5}"/>
+                <a16:creationId xmlns:a16="http://schemas.microsoft.com/office/drawing/2014/main" id="{0693036D-FD05-4462-9F98-B4D4E73CBB78}"/>
               </a:ext>
             </a:extLst>
           </p:cNvPr>
@@ -1549,7 +1557,7 @@
           <p:cNvPr id="3" name="ตัวแทนข้อความ 2">
             <a:extLst>
               <a:ext uri="{FF2B5EF4-FFF2-40B4-BE49-F238E27FC236}">
-                <a16:creationId xmlns:a16="http://schemas.microsoft.com/office/drawing/2014/main" id="{2178A21D-539D-4BC4-A3BE-82E0C6846D21}"/>
+                <a16:creationId xmlns:a16="http://schemas.microsoft.com/office/drawing/2014/main" id="{DA2835D7-ED39-4033-9471-6FB370F90A54}"/>
               </a:ext>
             </a:extLst>
           </p:cNvPr>
@@ -1620,7 +1628,7 @@
           <p:cNvPr id="4" name="ตัวแทนเนื้อหา 3">
             <a:extLst>
               <a:ext uri="{FF2B5EF4-FFF2-40B4-BE49-F238E27FC236}">
-                <a16:creationId xmlns:a16="http://schemas.microsoft.com/office/drawing/2014/main" id="{764DC7F8-0CBA-4F1F-A29E-744D5ECF2168}"/>
+                <a16:creationId xmlns:a16="http://schemas.microsoft.com/office/drawing/2014/main" id="{50436299-DC82-4E6E-B28B-A703B2C1C90F}"/>
               </a:ext>
             </a:extLst>
           </p:cNvPr>
@@ -1683,7 +1691,7 @@
           <p:cNvPr id="5" name="ตัวแทนข้อความ 4">
             <a:extLst>
               <a:ext uri="{FF2B5EF4-FFF2-40B4-BE49-F238E27FC236}">
-                <a16:creationId xmlns:a16="http://schemas.microsoft.com/office/drawing/2014/main" id="{0955504A-40C6-49AB-A9A1-BF4BAF2946C8}"/>
+                <a16:creationId xmlns:a16="http://schemas.microsoft.com/office/drawing/2014/main" id="{2DDBAFE4-BD9F-4F14-A71E-88EC10E68C3B}"/>
               </a:ext>
             </a:extLst>
           </p:cNvPr>
@@ -1754,7 +1762,7 @@
           <p:cNvPr id="6" name="ตัวแทนเนื้อหา 5">
             <a:extLst>
               <a:ext uri="{FF2B5EF4-FFF2-40B4-BE49-F238E27FC236}">
-                <a16:creationId xmlns:a16="http://schemas.microsoft.com/office/drawing/2014/main" id="{C430C25B-0D56-4487-90F9-1915F595C5CF}"/>
+                <a16:creationId xmlns:a16="http://schemas.microsoft.com/office/drawing/2014/main" id="{798CD250-0C52-48B8-825C-6B22D80CE4D6}"/>
               </a:ext>
             </a:extLst>
           </p:cNvPr>
@@ -1817,7 +1825,7 @@
           <p:cNvPr id="7" name="ตัวแทนวันที่ 6">
             <a:extLst>
               <a:ext uri="{FF2B5EF4-FFF2-40B4-BE49-F238E27FC236}">
-                <a16:creationId xmlns:a16="http://schemas.microsoft.com/office/drawing/2014/main" id="{EED8FF30-A93F-4917-ACC9-193D5E103FA0}"/>
+                <a16:creationId xmlns:a16="http://schemas.microsoft.com/office/drawing/2014/main" id="{B1565D52-83A4-4EBF-B7B0-F16391928A07}"/>
               </a:ext>
             </a:extLst>
           </p:cNvPr>
@@ -1846,7 +1854,7 @@
           <p:cNvPr id="8" name="ตัวแทนท้ายกระดาษ 7">
             <a:extLst>
               <a:ext uri="{FF2B5EF4-FFF2-40B4-BE49-F238E27FC236}">
-                <a16:creationId xmlns:a16="http://schemas.microsoft.com/office/drawing/2014/main" id="{BA79332D-47FC-4B3A-9E0E-8D6FD8698E01}"/>
+                <a16:creationId xmlns:a16="http://schemas.microsoft.com/office/drawing/2014/main" id="{66AC261C-3DEA-4EE1-91A4-CD351474AB95}"/>
               </a:ext>
             </a:extLst>
           </p:cNvPr>
@@ -1871,7 +1879,7 @@
           <p:cNvPr id="9" name="ตัวแทนหมายเลขสไลด์ 8">
             <a:extLst>
               <a:ext uri="{FF2B5EF4-FFF2-40B4-BE49-F238E27FC236}">
-                <a16:creationId xmlns:a16="http://schemas.microsoft.com/office/drawing/2014/main" id="{258BF2EA-5F46-4BFE-9763-8AC8DA013B93}"/>
+                <a16:creationId xmlns:a16="http://schemas.microsoft.com/office/drawing/2014/main" id="{CA2C391B-AAA1-4EE0-A7A7-2FC88DA99AB2}"/>
               </a:ext>
             </a:extLst>
           </p:cNvPr>
@@ -1898,7 +1906,7 @@
     </p:spTree>
     <p:extLst>
       <p:ext uri="{BB962C8B-B14F-4D97-AF65-F5344CB8AC3E}">
-        <p14:creationId xmlns:p14="http://schemas.microsoft.com/office/powerpoint/2010/main" val="2480058437"/>
+        <p14:creationId xmlns:p14="http://schemas.microsoft.com/office/powerpoint/2010/main" val="1662505142"/>
       </p:ext>
     </p:extLst>
   </p:cSld>
@@ -1930,7 +1938,7 @@
           <p:cNvPr id="2" name="ชื่อเรื่อง 1">
             <a:extLst>
               <a:ext uri="{FF2B5EF4-FFF2-40B4-BE49-F238E27FC236}">
-                <a16:creationId xmlns:a16="http://schemas.microsoft.com/office/drawing/2014/main" id="{E6899264-2C0E-476D-B741-6DC8BA3BBAA1}"/>
+                <a16:creationId xmlns:a16="http://schemas.microsoft.com/office/drawing/2014/main" id="{A0306471-AEE6-434D-9B2F-7239771AAD87}"/>
               </a:ext>
             </a:extLst>
           </p:cNvPr>
@@ -1959,7 +1967,7 @@
           <p:cNvPr id="3" name="ตัวแทนวันที่ 2">
             <a:extLst>
               <a:ext uri="{FF2B5EF4-FFF2-40B4-BE49-F238E27FC236}">
-                <a16:creationId xmlns:a16="http://schemas.microsoft.com/office/drawing/2014/main" id="{C5311C16-BD88-4858-BD43-CE1AAD5EC16A}"/>
+                <a16:creationId xmlns:a16="http://schemas.microsoft.com/office/drawing/2014/main" id="{E9D615F5-0128-4BCC-A7AD-0B73A09C6309}"/>
               </a:ext>
             </a:extLst>
           </p:cNvPr>
@@ -1988,7 +1996,7 @@
           <p:cNvPr id="4" name="ตัวแทนท้ายกระดาษ 3">
             <a:extLst>
               <a:ext uri="{FF2B5EF4-FFF2-40B4-BE49-F238E27FC236}">
-                <a16:creationId xmlns:a16="http://schemas.microsoft.com/office/drawing/2014/main" id="{B7C14F63-11B8-4B77-9627-95F44281C80B}"/>
+                <a16:creationId xmlns:a16="http://schemas.microsoft.com/office/drawing/2014/main" id="{4E1C573D-55A4-4F44-BD25-917DD518E944}"/>
               </a:ext>
             </a:extLst>
           </p:cNvPr>
@@ -2013,7 +2021,7 @@
           <p:cNvPr id="5" name="ตัวแทนหมายเลขสไลด์ 4">
             <a:extLst>
               <a:ext uri="{FF2B5EF4-FFF2-40B4-BE49-F238E27FC236}">
-                <a16:creationId xmlns:a16="http://schemas.microsoft.com/office/drawing/2014/main" id="{1684D505-07F9-43A5-B2AE-460E3C8B4485}"/>
+                <a16:creationId xmlns:a16="http://schemas.microsoft.com/office/drawing/2014/main" id="{199A87E3-7560-4298-83ED-466AF699B791}"/>
               </a:ext>
             </a:extLst>
           </p:cNvPr>
@@ -2040,7 +2048,7 @@
     </p:spTree>
     <p:extLst>
       <p:ext uri="{BB962C8B-B14F-4D97-AF65-F5344CB8AC3E}">
-        <p14:creationId xmlns:p14="http://schemas.microsoft.com/office/powerpoint/2010/main" val="2917609408"/>
+        <p14:creationId xmlns:p14="http://schemas.microsoft.com/office/powerpoint/2010/main" val="2023502927"/>
       </p:ext>
     </p:extLst>
   </p:cSld>
@@ -2072,7 +2080,7 @@
           <p:cNvPr id="2" name="ตัวแทนวันที่ 1">
             <a:extLst>
               <a:ext uri="{FF2B5EF4-FFF2-40B4-BE49-F238E27FC236}">
-                <a16:creationId xmlns:a16="http://schemas.microsoft.com/office/drawing/2014/main" id="{DFFD3448-2FB3-435A-9A5A-72DA9AFEE855}"/>
+                <a16:creationId xmlns:a16="http://schemas.microsoft.com/office/drawing/2014/main" id="{8A7E69DD-7DE5-4E23-98B4-CECFBE35E4F6}"/>
               </a:ext>
             </a:extLst>
           </p:cNvPr>
@@ -2101,7 +2109,7 @@
           <p:cNvPr id="3" name="ตัวแทนท้ายกระดาษ 2">
             <a:extLst>
               <a:ext uri="{FF2B5EF4-FFF2-40B4-BE49-F238E27FC236}">
-                <a16:creationId xmlns:a16="http://schemas.microsoft.com/office/drawing/2014/main" id="{F2990237-7707-46EF-9D27-78AC6F50C14A}"/>
+                <a16:creationId xmlns:a16="http://schemas.microsoft.com/office/drawing/2014/main" id="{9562B230-DA6A-469A-96D4-34F4AC57C236}"/>
               </a:ext>
             </a:extLst>
           </p:cNvPr>
@@ -2126,7 +2134,7 @@
           <p:cNvPr id="4" name="ตัวแทนหมายเลขสไลด์ 3">
             <a:extLst>
               <a:ext uri="{FF2B5EF4-FFF2-40B4-BE49-F238E27FC236}">
-                <a16:creationId xmlns:a16="http://schemas.microsoft.com/office/drawing/2014/main" id="{B222F0EE-9213-447E-905F-B033D97C92CC}"/>
+                <a16:creationId xmlns:a16="http://schemas.microsoft.com/office/drawing/2014/main" id="{95A1C4C3-F623-4B9B-812C-3318292A74A2}"/>
               </a:ext>
             </a:extLst>
           </p:cNvPr>
@@ -2153,7 +2161,7 @@
     </p:spTree>
     <p:extLst>
       <p:ext uri="{BB962C8B-B14F-4D97-AF65-F5344CB8AC3E}">
-        <p14:creationId xmlns:p14="http://schemas.microsoft.com/office/powerpoint/2010/main" val="625333045"/>
+        <p14:creationId xmlns:p14="http://schemas.microsoft.com/office/powerpoint/2010/main" val="3949005641"/>
       </p:ext>
     </p:extLst>
   </p:cSld>
@@ -2185,7 +2193,7 @@
           <p:cNvPr id="2" name="ชื่อเรื่อง 1">
             <a:extLst>
               <a:ext uri="{FF2B5EF4-FFF2-40B4-BE49-F238E27FC236}">
-                <a16:creationId xmlns:a16="http://schemas.microsoft.com/office/drawing/2014/main" id="{E54BDA8A-B318-4ED6-9AFB-42FA5404E2C5}"/>
+                <a16:creationId xmlns:a16="http://schemas.microsoft.com/office/drawing/2014/main" id="{70D58D64-610C-4822-9110-13B41A278BBD}"/>
               </a:ext>
             </a:extLst>
           </p:cNvPr>
@@ -2223,7 +2231,7 @@
           <p:cNvPr id="3" name="ตัวแทนเนื้อหา 2">
             <a:extLst>
               <a:ext uri="{FF2B5EF4-FFF2-40B4-BE49-F238E27FC236}">
-                <a16:creationId xmlns:a16="http://schemas.microsoft.com/office/drawing/2014/main" id="{8E90DFBF-1018-4AB8-8E79-F70430386143}"/>
+                <a16:creationId xmlns:a16="http://schemas.microsoft.com/office/drawing/2014/main" id="{41D8C95A-39C9-4DA4-972D-D9C5CFDF6C4D}"/>
               </a:ext>
             </a:extLst>
           </p:cNvPr>
@@ -2314,7 +2322,7 @@
           <p:cNvPr id="4" name="ตัวแทนข้อความ 3">
             <a:extLst>
               <a:ext uri="{FF2B5EF4-FFF2-40B4-BE49-F238E27FC236}">
-                <a16:creationId xmlns:a16="http://schemas.microsoft.com/office/drawing/2014/main" id="{C03062C4-19BD-4A05-A4AA-EA4618D6B704}"/>
+                <a16:creationId xmlns:a16="http://schemas.microsoft.com/office/drawing/2014/main" id="{62E2DC30-CF86-4641-A760-6D0B685B6BF5}"/>
               </a:ext>
             </a:extLst>
           </p:cNvPr>
@@ -2385,7 +2393,7 @@
           <p:cNvPr id="5" name="ตัวแทนวันที่ 4">
             <a:extLst>
               <a:ext uri="{FF2B5EF4-FFF2-40B4-BE49-F238E27FC236}">
-                <a16:creationId xmlns:a16="http://schemas.microsoft.com/office/drawing/2014/main" id="{6DD75D8E-1073-43C1-80BD-020E11435414}"/>
+                <a16:creationId xmlns:a16="http://schemas.microsoft.com/office/drawing/2014/main" id="{21B962F0-2DDB-43AD-BCF1-2E025ED30371}"/>
               </a:ext>
             </a:extLst>
           </p:cNvPr>
@@ -2414,7 +2422,7 @@
           <p:cNvPr id="6" name="ตัวแทนท้ายกระดาษ 5">
             <a:extLst>
               <a:ext uri="{FF2B5EF4-FFF2-40B4-BE49-F238E27FC236}">
-                <a16:creationId xmlns:a16="http://schemas.microsoft.com/office/drawing/2014/main" id="{DBB23A43-6991-4947-843A-5966375DD1A8}"/>
+                <a16:creationId xmlns:a16="http://schemas.microsoft.com/office/drawing/2014/main" id="{5C33C49C-E166-459E-B0A1-EF3029AFC704}"/>
               </a:ext>
             </a:extLst>
           </p:cNvPr>
@@ -2439,7 +2447,7 @@
           <p:cNvPr id="7" name="ตัวแทนหมายเลขสไลด์ 6">
             <a:extLst>
               <a:ext uri="{FF2B5EF4-FFF2-40B4-BE49-F238E27FC236}">
-                <a16:creationId xmlns:a16="http://schemas.microsoft.com/office/drawing/2014/main" id="{81882E02-DD33-4315-B8DF-B58F2F6A5881}"/>
+                <a16:creationId xmlns:a16="http://schemas.microsoft.com/office/drawing/2014/main" id="{03FC70A1-CC64-4DC9-B110-B1CDE36A4516}"/>
               </a:ext>
             </a:extLst>
           </p:cNvPr>
@@ -2466,7 +2474,7 @@
     </p:spTree>
     <p:extLst>
       <p:ext uri="{BB962C8B-B14F-4D97-AF65-F5344CB8AC3E}">
-        <p14:creationId xmlns:p14="http://schemas.microsoft.com/office/powerpoint/2010/main" val="2676599545"/>
+        <p14:creationId xmlns:p14="http://schemas.microsoft.com/office/powerpoint/2010/main" val="3005471010"/>
       </p:ext>
     </p:extLst>
   </p:cSld>
@@ -2498,7 +2506,7 @@
           <p:cNvPr id="2" name="ชื่อเรื่อง 1">
             <a:extLst>
               <a:ext uri="{FF2B5EF4-FFF2-40B4-BE49-F238E27FC236}">
-                <a16:creationId xmlns:a16="http://schemas.microsoft.com/office/drawing/2014/main" id="{D232A617-7F84-490C-A9EA-98C98CAA1A85}"/>
+                <a16:creationId xmlns:a16="http://schemas.microsoft.com/office/drawing/2014/main" id="{35F5BBC6-41F5-4B70-9571-D3E6A991235F}"/>
               </a:ext>
             </a:extLst>
           </p:cNvPr>
@@ -2536,7 +2544,7 @@
           <p:cNvPr id="3" name="ตัวแทนรูปภาพ 2">
             <a:extLst>
               <a:ext uri="{FF2B5EF4-FFF2-40B4-BE49-F238E27FC236}">
-                <a16:creationId xmlns:a16="http://schemas.microsoft.com/office/drawing/2014/main" id="{5B8D24E7-D87A-495A-AEB1-1BBA2443128F}"/>
+                <a16:creationId xmlns:a16="http://schemas.microsoft.com/office/drawing/2014/main" id="{DA191A92-F89E-434C-BB0B-91247BE66C1D}"/>
               </a:ext>
             </a:extLst>
           </p:cNvPr>
@@ -2603,7 +2611,7 @@
           <p:cNvPr id="4" name="ตัวแทนข้อความ 3">
             <a:extLst>
               <a:ext uri="{FF2B5EF4-FFF2-40B4-BE49-F238E27FC236}">
-                <a16:creationId xmlns:a16="http://schemas.microsoft.com/office/drawing/2014/main" id="{7AD1ECAC-446A-481D-8534-1EEC9879ED1C}"/>
+                <a16:creationId xmlns:a16="http://schemas.microsoft.com/office/drawing/2014/main" id="{B4D84D71-FF3E-4D41-80FA-6935F50FD68A}"/>
               </a:ext>
             </a:extLst>
           </p:cNvPr>
@@ -2674,7 +2682,7 @@
           <p:cNvPr id="5" name="ตัวแทนวันที่ 4">
             <a:extLst>
               <a:ext uri="{FF2B5EF4-FFF2-40B4-BE49-F238E27FC236}">
-                <a16:creationId xmlns:a16="http://schemas.microsoft.com/office/drawing/2014/main" id="{FE3575B1-B31D-4C89-8361-24975E53B7BB}"/>
+                <a16:creationId xmlns:a16="http://schemas.microsoft.com/office/drawing/2014/main" id="{42DCCB31-869D-4C69-AC47-8BED82E3C78A}"/>
               </a:ext>
             </a:extLst>
           </p:cNvPr>
@@ -2703,7 +2711,7 @@
           <p:cNvPr id="6" name="ตัวแทนท้ายกระดาษ 5">
             <a:extLst>
               <a:ext uri="{FF2B5EF4-FFF2-40B4-BE49-F238E27FC236}">
-                <a16:creationId xmlns:a16="http://schemas.microsoft.com/office/drawing/2014/main" id="{8F551E6F-A825-464D-A232-1E8356995B42}"/>
+                <a16:creationId xmlns:a16="http://schemas.microsoft.com/office/drawing/2014/main" id="{A86EE16A-B460-46BC-A78A-71AFF30BAA1C}"/>
               </a:ext>
             </a:extLst>
           </p:cNvPr>
@@ -2728,7 +2736,7 @@
           <p:cNvPr id="7" name="ตัวแทนหมายเลขสไลด์ 6">
             <a:extLst>
               <a:ext uri="{FF2B5EF4-FFF2-40B4-BE49-F238E27FC236}">
-                <a16:creationId xmlns:a16="http://schemas.microsoft.com/office/drawing/2014/main" id="{B279A893-FE61-4BA6-A546-C699AE831E9D}"/>
+                <a16:creationId xmlns:a16="http://schemas.microsoft.com/office/drawing/2014/main" id="{12AA9BAF-67A4-46A4-BC90-75AB660D5A20}"/>
               </a:ext>
             </a:extLst>
           </p:cNvPr>
@@ -2755,7 +2763,7 @@
     </p:spTree>
     <p:extLst>
       <p:ext uri="{BB962C8B-B14F-4D97-AF65-F5344CB8AC3E}">
-        <p14:creationId xmlns:p14="http://schemas.microsoft.com/office/powerpoint/2010/main" val="1483109171"/>
+        <p14:creationId xmlns:p14="http://schemas.microsoft.com/office/powerpoint/2010/main" val="1176646726"/>
       </p:ext>
     </p:extLst>
   </p:cSld>
@@ -2792,7 +2800,7 @@
           <p:cNvPr id="2" name="ตัวแทนชื่อเรื่อง 1">
             <a:extLst>
               <a:ext uri="{FF2B5EF4-FFF2-40B4-BE49-F238E27FC236}">
-                <a16:creationId xmlns:a16="http://schemas.microsoft.com/office/drawing/2014/main" id="{6BDDA107-56CF-4008-AF04-01D1C3FBBC12}"/>
+                <a16:creationId xmlns:a16="http://schemas.microsoft.com/office/drawing/2014/main" id="{D249EF51-E566-40C6-BDF9-1A2F1A941C14}"/>
               </a:ext>
             </a:extLst>
           </p:cNvPr>
@@ -2831,7 +2839,7 @@
           <p:cNvPr id="3" name="ตัวแทนข้อความ 2">
             <a:extLst>
               <a:ext uri="{FF2B5EF4-FFF2-40B4-BE49-F238E27FC236}">
-                <a16:creationId xmlns:a16="http://schemas.microsoft.com/office/drawing/2014/main" id="{38F10ACA-1DC6-44CB-AAA1-0C2C7957B7E4}"/>
+                <a16:creationId xmlns:a16="http://schemas.microsoft.com/office/drawing/2014/main" id="{D0781C98-03F1-4F12-B79C-CC72F99925A5}"/>
               </a:ext>
             </a:extLst>
           </p:cNvPr>
@@ -2899,7 +2907,7 @@
           <p:cNvPr id="4" name="ตัวแทนวันที่ 3">
             <a:extLst>
               <a:ext uri="{FF2B5EF4-FFF2-40B4-BE49-F238E27FC236}">
-                <a16:creationId xmlns:a16="http://schemas.microsoft.com/office/drawing/2014/main" id="{DDB4E3FA-F22A-4C16-8283-F3CB016A8F03}"/>
+                <a16:creationId xmlns:a16="http://schemas.microsoft.com/office/drawing/2014/main" id="{8888E83D-6672-4D2F-BE16-93C6210EC6AB}"/>
               </a:ext>
             </a:extLst>
           </p:cNvPr>
@@ -2946,7 +2954,7 @@
           <p:cNvPr id="5" name="ตัวแทนท้ายกระดาษ 4">
             <a:extLst>
               <a:ext uri="{FF2B5EF4-FFF2-40B4-BE49-F238E27FC236}">
-                <a16:creationId xmlns:a16="http://schemas.microsoft.com/office/drawing/2014/main" id="{55D19E38-47F6-4318-9188-0CB2416E3F0D}"/>
+                <a16:creationId xmlns:a16="http://schemas.microsoft.com/office/drawing/2014/main" id="{A6517FB1-7348-46BD-8045-62CEB774A264}"/>
               </a:ext>
             </a:extLst>
           </p:cNvPr>
@@ -2989,7 +2997,7 @@
           <p:cNvPr id="6" name="ตัวแทนหมายเลขสไลด์ 5">
             <a:extLst>
               <a:ext uri="{FF2B5EF4-FFF2-40B4-BE49-F238E27FC236}">
-                <a16:creationId xmlns:a16="http://schemas.microsoft.com/office/drawing/2014/main" id="{316798C4-7381-47C0-9847-CCB49A53CD23}"/>
+                <a16:creationId xmlns:a16="http://schemas.microsoft.com/office/drawing/2014/main" id="{2FF7C174-FA8C-4CF1-A3BF-CC033FF00EE1}"/>
               </a:ext>
             </a:extLst>
           </p:cNvPr>
@@ -3034,23 +3042,23 @@
     </p:spTree>
     <p:extLst>
       <p:ext uri="{BB962C8B-B14F-4D97-AF65-F5344CB8AC3E}">
-        <p14:creationId xmlns:p14="http://schemas.microsoft.com/office/powerpoint/2010/main" val="1846889887"/>
+        <p14:creationId xmlns:p14="http://schemas.microsoft.com/office/powerpoint/2010/main" val="60756471"/>
       </p:ext>
     </p:extLst>
   </p:cSld>
   <p:clrMap bg1="lt1" tx1="dk1" bg2="lt2" tx2="dk2" accent1="accent1" accent2="accent2" accent3="accent3" accent4="accent4" accent5="accent5" accent6="accent6" hlink="hlink" folHlink="folHlink"/>
   <p:sldLayoutIdLst>
-    <p:sldLayoutId id="2147483649" r:id="rId1"/>
-    <p:sldLayoutId id="2147483650" r:id="rId2"/>
-    <p:sldLayoutId id="2147483651" r:id="rId3"/>
-    <p:sldLayoutId id="2147483652" r:id="rId4"/>
-    <p:sldLayoutId id="2147483653" r:id="rId5"/>
-    <p:sldLayoutId id="2147483654" r:id="rId6"/>
-    <p:sldLayoutId id="2147483655" r:id="rId7"/>
-    <p:sldLayoutId id="2147483656" r:id="rId8"/>
-    <p:sldLayoutId id="2147483657" r:id="rId9"/>
-    <p:sldLayoutId id="2147483658" r:id="rId10"/>
-    <p:sldLayoutId id="2147483659" r:id="rId11"/>
+    <p:sldLayoutId id="2147483715" r:id="rId1"/>
+    <p:sldLayoutId id="2147483716" r:id="rId2"/>
+    <p:sldLayoutId id="2147483717" r:id="rId3"/>
+    <p:sldLayoutId id="2147483718" r:id="rId4"/>
+    <p:sldLayoutId id="2147483719" r:id="rId5"/>
+    <p:sldLayoutId id="2147483720" r:id="rId6"/>
+    <p:sldLayoutId id="2147483721" r:id="rId7"/>
+    <p:sldLayoutId id="2147483722" r:id="rId8"/>
+    <p:sldLayoutId id="2147483723" r:id="rId9"/>
+    <p:sldLayoutId id="2147483724" r:id="rId10"/>
+    <p:sldLayoutId id="2147483725" r:id="rId11"/>
   </p:sldLayoutIdLst>
   <p:txStyles>
     <p:titleStyle>
@@ -3338,6 +3346,20 @@
 <file path=ppt/slides/slide1.xml><?xml version="1.0" encoding="utf-8"?>
 <p:sld xmlns:a="http://schemas.openxmlformats.org/drawingml/2006/main" xmlns:r="http://schemas.openxmlformats.org/officeDocument/2006/relationships" xmlns:p="http://schemas.openxmlformats.org/presentationml/2006/main">
   <p:cSld>
+    <p:bg>
+      <p:bgPr>
+        <a:blipFill dpi="0" rotWithShape="1">
+          <a:blip r:embed="rId2">
+            <a:lum/>
+          </a:blip>
+          <a:srcRect/>
+          <a:stretch>
+            <a:fillRect t="-1000" b="-1000"/>
+          </a:stretch>
+        </a:blipFill>
+        <a:effectLst/>
+      </p:bgPr>
+    </p:bg>
     <p:spTree>
       <p:nvGrpSpPr>
         <p:cNvPr id="1" name=""/>
@@ -3354,29 +3376,61 @@
       </p:grpSpPr>
       <p:sp>
         <p:nvSpPr>
-          <p:cNvPr id="2" name="ชื่อเรื่อง 1">
-            <a:extLst>
-              <a:ext uri="{FF2B5EF4-FFF2-40B4-BE49-F238E27FC236}">
-                <a16:creationId xmlns:a16="http://schemas.microsoft.com/office/drawing/2014/main" id="{CA655044-81D9-4C29-AF7F-9275D18294B4}"/>
-              </a:ext>
-            </a:extLst>
-          </p:cNvPr>
-          <p:cNvSpPr>
-            <a:spLocks noGrp="1"/>
-          </p:cNvSpPr>
-          <p:nvPr>
-            <p:ph type="ctrTitle"/>
-          </p:nvPr>
-        </p:nvSpPr>
-        <p:spPr/>
-        <p:txBody>
-          <a:bodyPr>
-            <a:normAutofit/>
+          <p:cNvPr id="4" name="สี่เหลี่ยมผืนผ้า 3">
+            <a:extLst>
+              <a:ext uri="{FF2B5EF4-FFF2-40B4-BE49-F238E27FC236}">
+                <a16:creationId xmlns:a16="http://schemas.microsoft.com/office/drawing/2014/main" id="{43FC3308-6CDC-487F-996E-AD095EA25755}"/>
+              </a:ext>
+            </a:extLst>
+          </p:cNvPr>
+          <p:cNvSpPr/>
+          <p:nvPr/>
+        </p:nvSpPr>
+        <p:spPr>
+          <a:xfrm>
+            <a:off x="234985" y="1447800"/>
+            <a:ext cx="12116883" cy="1754326"/>
+          </a:xfrm>
+          <a:prstGeom prst="rect">
+            <a:avLst/>
+          </a:prstGeom>
+          <a:noFill/>
+        </p:spPr>
+        <p:txBody>
+          <a:bodyPr wrap="square" lIns="91440" tIns="45720" rIns="91440" bIns="45720">
+            <a:spAutoFit/>
+            <a:scene3d>
+              <a:camera prst="orthographicFront"/>
+              <a:lightRig rig="harsh" dir="t"/>
+            </a:scene3d>
+            <a:sp3d prstMaterial="matte">
+              <a:contourClr>
+                <a:schemeClr val="bg1">
+                  <a:lumMod val="65000"/>
+                </a:schemeClr>
+              </a:contourClr>
+            </a:sp3d>
           </a:bodyPr>
           <a:lstStyle/>
           <a:p>
-            <a:r>
-              <a:rPr lang="en-US" sz="4800" dirty="0"/>
+            <a:pPr algn="ctr"/>
+            <a:r>
+              <a:rPr lang="en-US" sz="5400" b="1" dirty="0">
+                <a:ln w="6600">
+                  <a:solidFill>
+                    <a:schemeClr val="accent2"/>
+                  </a:solidFill>
+                  <a:prstDash val="solid"/>
+                </a:ln>
+                <a:solidFill>
+                  <a:srgbClr val="FFFFFF"/>
+                </a:solidFill>
+                <a:effectLst>
+                  <a:outerShdw dist="38100" dir="2700000" algn="tl" rotWithShape="0">
+                    <a:schemeClr val="accent2"/>
+                  </a:outerShdw>
+                </a:effectLst>
+              </a:rPr>
               <a:t>Development of Social for Restaurant Recommendation Project</a:t>
             </a:r>
           </a:p>
@@ -3384,59 +3438,108 @@
       </p:sp>
       <p:sp>
         <p:nvSpPr>
-          <p:cNvPr id="3" name="ชื่อเรื่องรอง 2">
-            <a:extLst>
-              <a:ext uri="{FF2B5EF4-FFF2-40B4-BE49-F238E27FC236}">
-                <a16:creationId xmlns:a16="http://schemas.microsoft.com/office/drawing/2014/main" id="{488CB4D6-DDA4-4955-A1F0-24ECCADB0F50}"/>
-              </a:ext>
-            </a:extLst>
-          </p:cNvPr>
-          <p:cNvSpPr>
-            <a:spLocks noGrp="1"/>
-          </p:cNvSpPr>
-          <p:nvPr>
-            <p:ph type="subTitle" idx="1"/>
-          </p:nvPr>
-        </p:nvSpPr>
-        <p:spPr/>
-        <p:txBody>
-          <a:bodyPr>
-            <a:normAutofit/>
+          <p:cNvPr id="7" name="สี่เหลี่ยมผืนผ้า 6">
+            <a:extLst>
+              <a:ext uri="{FF2B5EF4-FFF2-40B4-BE49-F238E27FC236}">
+                <a16:creationId xmlns:a16="http://schemas.microsoft.com/office/drawing/2014/main" id="{810692AA-A221-495D-8D1F-0617DAEFAA55}"/>
+              </a:ext>
+            </a:extLst>
+          </p:cNvPr>
+          <p:cNvSpPr/>
+          <p:nvPr/>
+        </p:nvSpPr>
+        <p:spPr>
+          <a:xfrm>
+            <a:off x="2342282" y="4358838"/>
+            <a:ext cx="7902291" cy="1569660"/>
+          </a:xfrm>
+          <a:prstGeom prst="rect">
+            <a:avLst/>
+          </a:prstGeom>
+          <a:noFill/>
+        </p:spPr>
+        <p:txBody>
+          <a:bodyPr wrap="none" lIns="91440" tIns="45720" rIns="91440" bIns="45720">
+            <a:spAutoFit/>
+            <a:scene3d>
+              <a:camera prst="orthographicFront"/>
+              <a:lightRig rig="soft" dir="t">
+                <a:rot lat="0" lon="0" rev="15600000"/>
+              </a:lightRig>
+            </a:scene3d>
+            <a:sp3d extrusionH="57150" prstMaterial="softEdge">
+              <a:bevelT w="25400" h="38100"/>
+            </a:sp3d>
           </a:bodyPr>
           <a:lstStyle/>
           <a:p>
-            <a:r>
-              <a:rPr lang="en-US" dirty="0"/>
+            <a:pPr algn="ctr"/>
+            <a:r>
+              <a:rPr lang="en-US" sz="3200" b="1" dirty="0">
+                <a:ln/>
+                <a:solidFill>
+                  <a:schemeClr val="accent4"/>
+                </a:solidFill>
+              </a:rPr>
               <a:t>Present by</a:t>
             </a:r>
           </a:p>
           <a:p>
-            <a:r>
-              <a:rPr lang="en-US" dirty="0" err="1"/>
+            <a:pPr algn="ctr"/>
+            <a:r>
+              <a:rPr lang="en-US" sz="3200" b="1" dirty="0" err="1">
+                <a:ln/>
+                <a:solidFill>
+                  <a:schemeClr val="accent4"/>
+                </a:solidFill>
+              </a:rPr>
               <a:t>Mr.Nattawat</a:t>
             </a:r>
             <a:r>
-              <a:rPr lang="en-US" dirty="0"/>
+              <a:rPr lang="en-US" sz="3200" b="1" dirty="0">
+                <a:ln/>
+                <a:solidFill>
+                  <a:schemeClr val="accent4"/>
+                </a:solidFill>
+              </a:rPr>
               <a:t> </a:t>
             </a:r>
             <a:r>
-              <a:rPr lang="en-US" dirty="0" err="1"/>
+              <a:rPr lang="en-US" sz="3200" b="1" dirty="0" err="1">
+                <a:ln/>
+                <a:solidFill>
+                  <a:schemeClr val="accent4"/>
+                </a:solidFill>
+              </a:rPr>
               <a:t>Rajchompu</a:t>
             </a:r>
             <a:r>
-              <a:rPr lang="en-US" dirty="0"/>
+              <a:rPr lang="en-US" sz="3200" b="1" dirty="0">
+                <a:ln/>
+                <a:solidFill>
+                  <a:schemeClr val="accent4"/>
+                </a:solidFill>
+              </a:rPr>
               <a:t> 5704062637019 CSB</a:t>
             </a:r>
-            <a:endParaRPr lang="th-TH" dirty="0"/>
-          </a:p>
-          <a:p>
-            <a:r>
-              <a:rPr lang="en-US" dirty="0"/>
+            <a:endParaRPr lang="th-TH" sz="3200" b="1" dirty="0">
+              <a:ln/>
+              <a:solidFill>
+                <a:schemeClr val="accent4"/>
+              </a:solidFill>
+            </a:endParaRPr>
+          </a:p>
+          <a:p>
+            <a:pPr algn="ctr"/>
+            <a:r>
+              <a:rPr lang="en-US" sz="3200" b="1" dirty="0">
+                <a:ln/>
+                <a:solidFill>
+                  <a:schemeClr val="accent4"/>
+                </a:solidFill>
+              </a:rPr>
               <a:t>Adviser</a:t>
             </a:r>
-          </a:p>
-          <a:p>
-            <a:endParaRPr lang="en-US" dirty="0"/>
           </a:p>
         </p:txBody>
       </p:sp>
@@ -3453,7 +3556,7 @@
 </p:sld>
 </file>
 
-<file path=ppt/slides/slide2.xml><?xml version="1.0" encoding="utf-8"?>
+<file path=ppt/slides/slide10.xml><?xml version="1.0" encoding="utf-8"?>
 <p:sld xmlns:a="http://schemas.openxmlformats.org/drawingml/2006/main" xmlns:r="http://schemas.openxmlformats.org/officeDocument/2006/relationships" xmlns:p="http://schemas.openxmlformats.org/presentationml/2006/main">
   <p:cSld>
     <p:spTree>
@@ -3475,6 +3578,147 @@
           <p:cNvPr id="2" name="ชื่อเรื่อง 1">
             <a:extLst>
               <a:ext uri="{FF2B5EF4-FFF2-40B4-BE49-F238E27FC236}">
+                <a16:creationId xmlns:a16="http://schemas.microsoft.com/office/drawing/2014/main" id="{1928FA65-2464-46C7-9FBD-905411D47F13}"/>
+              </a:ext>
+            </a:extLst>
+          </p:cNvPr>
+          <p:cNvSpPr>
+            <a:spLocks noGrp="1"/>
+          </p:cNvSpPr>
+          <p:nvPr>
+            <p:ph type="title"/>
+          </p:nvPr>
+        </p:nvSpPr>
+        <p:spPr/>
+        <p:txBody>
+          <a:bodyPr/>
+          <a:lstStyle/>
+          <a:p>
+            <a:r>
+              <a:rPr lang="en-US" b="1" dirty="0"/>
+              <a:t>Tools and equipment used in the project</a:t>
+            </a:r>
+            <a:endParaRPr lang="en-US" dirty="0"/>
+          </a:p>
+        </p:txBody>
+      </p:sp>
+      <p:sp>
+        <p:nvSpPr>
+          <p:cNvPr id="3" name="ตัวแทนเนื้อหา 2">
+            <a:extLst>
+              <a:ext uri="{FF2B5EF4-FFF2-40B4-BE49-F238E27FC236}">
+                <a16:creationId xmlns:a16="http://schemas.microsoft.com/office/drawing/2014/main" id="{1D5CF398-8134-4984-A770-7F96A5498CD8}"/>
+              </a:ext>
+            </a:extLst>
+          </p:cNvPr>
+          <p:cNvSpPr>
+            <a:spLocks noGrp="1"/>
+          </p:cNvSpPr>
+          <p:nvPr>
+            <p:ph idx="1"/>
+          </p:nvPr>
+        </p:nvSpPr>
+        <p:spPr/>
+        <p:txBody>
+          <a:bodyPr/>
+          <a:lstStyle/>
+          <a:p>
+            <a:r>
+              <a:rPr lang="en-US" dirty="0"/>
+              <a:t>-JAVA</a:t>
+            </a:r>
+          </a:p>
+          <a:p>
+            <a:r>
+              <a:rPr lang="en-US" dirty="0"/>
+              <a:t>-Android Studios</a:t>
+            </a:r>
+          </a:p>
+          <a:p>
+            <a:r>
+              <a:rPr lang="en-US" dirty="0"/>
+              <a:t>-Photoshop</a:t>
+            </a:r>
+          </a:p>
+          <a:p>
+            <a:r>
+              <a:rPr lang="en-US" dirty="0"/>
+              <a:t>-Illustrator</a:t>
+            </a:r>
+          </a:p>
+          <a:p>
+            <a:r>
+              <a:rPr lang="th-TH" dirty="0"/>
+              <a:t>-</a:t>
+            </a:r>
+            <a:r>
+              <a:rPr lang="en-US" dirty="0"/>
+              <a:t>Chatbot tools</a:t>
+            </a:r>
+          </a:p>
+          <a:p>
+            <a:r>
+              <a:rPr lang="en-US" dirty="0"/>
+              <a:t>-Chatbot line platform </a:t>
+            </a:r>
+          </a:p>
+          <a:p>
+            <a:endParaRPr lang="en-US" dirty="0"/>
+          </a:p>
+          <a:p>
+            <a:endParaRPr lang="en-US" dirty="0"/>
+          </a:p>
+        </p:txBody>
+      </p:sp>
+    </p:spTree>
+    <p:extLst>
+      <p:ext uri="{BB962C8B-B14F-4D97-AF65-F5344CB8AC3E}">
+        <p14:creationId xmlns:p14="http://schemas.microsoft.com/office/powerpoint/2010/main" val="3497898837"/>
+      </p:ext>
+    </p:extLst>
+  </p:cSld>
+  <p:clrMapOvr>
+    <a:masterClrMapping/>
+  </p:clrMapOvr>
+</p:sld>
+</file>
+
+<file path=ppt/slides/slide2.xml><?xml version="1.0" encoding="utf-8"?>
+<p:sld xmlns:a="http://schemas.openxmlformats.org/drawingml/2006/main" xmlns:r="http://schemas.openxmlformats.org/officeDocument/2006/relationships" xmlns:p="http://schemas.openxmlformats.org/presentationml/2006/main">
+  <p:cSld>
+    <p:bg>
+      <p:bgPr>
+        <a:blipFill dpi="0" rotWithShape="1">
+          <a:blip r:embed="rId2">
+            <a:lum/>
+          </a:blip>
+          <a:srcRect/>
+          <a:stretch>
+            <a:fillRect t="-9000" b="-9000"/>
+          </a:stretch>
+        </a:blipFill>
+        <a:effectLst/>
+      </p:bgPr>
+    </p:bg>
+    <p:spTree>
+      <p:nvGrpSpPr>
+        <p:cNvPr id="1" name=""/>
+        <p:cNvGrpSpPr/>
+        <p:nvPr/>
+      </p:nvGrpSpPr>
+      <p:grpSpPr>
+        <a:xfrm>
+          <a:off x="0" y="0"/>
+          <a:ext cx="0" cy="0"/>
+          <a:chOff x="0" y="0"/>
+          <a:chExt cx="0" cy="0"/>
+        </a:xfrm>
+      </p:grpSpPr>
+      <p:sp>
+        <p:nvSpPr>
+          <p:cNvPr id="2" name="ชื่อเรื่อง 1">
+            <a:extLst>
+              <a:ext uri="{FF2B5EF4-FFF2-40B4-BE49-F238E27FC236}">
                 <a16:creationId xmlns:a16="http://schemas.microsoft.com/office/drawing/2014/main" id="{2B50BB1B-A19C-4FED-97B6-02A0678D93FC}"/>
               </a:ext>
             </a:extLst>
@@ -3514,18 +3758,53 @@
             <p:ph idx="1"/>
           </p:nvPr>
         </p:nvSpPr>
-        <p:spPr/>
+        <p:spPr>
+          <a:xfrm>
+            <a:off x="716902" y="1592361"/>
+            <a:ext cx="10515600" cy="4351338"/>
+          </a:xfrm>
+          <a:noFill/>
+        </p:spPr>
         <p:txBody>
           <a:bodyPr/>
           <a:lstStyle/>
           <a:p>
-            <a:r>
-              <a:rPr lang="en-US" dirty="0"/>
+            <a:pPr marL="0" indent="0">
+              <a:buNone/>
+            </a:pPr>
+            <a:r>
+              <a:rPr lang="en-US" sz="3200" b="1" dirty="0">
+                <a:ln w="22225">
+                  <a:solidFill>
+                    <a:schemeClr val="accent2"/>
+                  </a:solidFill>
+                  <a:prstDash val="solid"/>
+                </a:ln>
+                <a:solidFill>
+                  <a:schemeClr val="accent2">
+                    <a:lumMod val="40000"/>
+                    <a:lumOff val="60000"/>
+                  </a:schemeClr>
+                </a:solidFill>
+              </a:rPr>
               <a:t>Nowadays, rapid the rapid development of wireless technology and mobile has evolved so that data can be easily accessed.</a:t>
             </a:r>
           </a:p>
           <a:p>
-            <a:endParaRPr lang="en-US" dirty="0"/>
+            <a:endParaRPr lang="en-US" b="1" dirty="0">
+              <a:ln w="22225">
+                <a:solidFill>
+                  <a:schemeClr val="accent2"/>
+                </a:solidFill>
+                <a:prstDash val="solid"/>
+              </a:ln>
+              <a:solidFill>
+                <a:schemeClr val="accent2">
+                  <a:lumMod val="40000"/>
+                  <a:lumOff val="60000"/>
+                </a:schemeClr>
+              </a:solidFill>
+            </a:endParaRPr>
           </a:p>
         </p:txBody>
       </p:sp>
@@ -3533,6 +3812,2388 @@
     <p:extLst>
       <p:ext uri="{BB962C8B-B14F-4D97-AF65-F5344CB8AC3E}">
         <p14:creationId xmlns:p14="http://schemas.microsoft.com/office/powerpoint/2010/main" val="1084368487"/>
+      </p:ext>
+    </p:extLst>
+  </p:cSld>
+  <p:clrMapOvr>
+    <a:masterClrMapping/>
+  </p:clrMapOvr>
+</p:sld>
+</file>
+
+<file path=ppt/slides/slide3.xml><?xml version="1.0" encoding="utf-8"?>
+<p:sld xmlns:a="http://schemas.openxmlformats.org/drawingml/2006/main" xmlns:r="http://schemas.openxmlformats.org/officeDocument/2006/relationships" xmlns:p="http://schemas.openxmlformats.org/presentationml/2006/main">
+  <p:cSld>
+    <p:bg>
+      <p:bgPr>
+        <a:blipFill dpi="0" rotWithShape="1">
+          <a:blip r:embed="rId2">
+            <a:lum/>
+          </a:blip>
+          <a:srcRect/>
+          <a:stretch>
+            <a:fillRect t="-2000" b="-2000"/>
+          </a:stretch>
+        </a:blipFill>
+        <a:effectLst/>
+      </p:bgPr>
+    </p:bg>
+    <p:spTree>
+      <p:nvGrpSpPr>
+        <p:cNvPr id="1" name=""/>
+        <p:cNvGrpSpPr/>
+        <p:nvPr/>
+      </p:nvGrpSpPr>
+      <p:grpSpPr>
+        <a:xfrm>
+          <a:off x="0" y="0"/>
+          <a:ext cx="0" cy="0"/>
+          <a:chOff x="0" y="0"/>
+          <a:chExt cx="0" cy="0"/>
+        </a:xfrm>
+      </p:grpSpPr>
+      <p:sp>
+        <p:nvSpPr>
+          <p:cNvPr id="3" name="ตัวแทนเนื้อหา 2">
+            <a:extLst>
+              <a:ext uri="{FF2B5EF4-FFF2-40B4-BE49-F238E27FC236}">
+                <a16:creationId xmlns:a16="http://schemas.microsoft.com/office/drawing/2014/main" id="{A9422700-15FD-478A-9215-88C131714533}"/>
+              </a:ext>
+            </a:extLst>
+          </p:cNvPr>
+          <p:cNvSpPr>
+            <a:spLocks noGrp="1"/>
+          </p:cNvSpPr>
+          <p:nvPr>
+            <p:ph idx="1"/>
+          </p:nvPr>
+        </p:nvSpPr>
+        <p:spPr>
+          <a:xfrm>
+            <a:off x="838200" y="541176"/>
+            <a:ext cx="10515600" cy="5635787"/>
+          </a:xfrm>
+        </p:spPr>
+        <p:txBody>
+          <a:bodyPr/>
+          <a:lstStyle/>
+          <a:p>
+            <a:r>
+              <a:rPr lang="en-US" b="1" dirty="0">
+                <a:ln w="22225">
+                  <a:solidFill>
+                    <a:schemeClr val="accent2"/>
+                  </a:solidFill>
+                  <a:prstDash val="solid"/>
+                </a:ln>
+                <a:solidFill>
+                  <a:schemeClr val="accent2">
+                    <a:lumMod val="40000"/>
+                    <a:lumOff val="60000"/>
+                  </a:schemeClr>
+                </a:solidFill>
+              </a:rPr>
+              <a:t>For example, you can choose to eat but do not know where delicious.</a:t>
+            </a:r>
+            <a:endParaRPr lang="en-US" dirty="0"/>
+          </a:p>
+        </p:txBody>
+      </p:sp>
+      <p:grpSp>
+        <p:nvGrpSpPr>
+          <p:cNvPr id="16" name="กลุ่ม 15">
+            <a:extLst>
+              <a:ext uri="{FF2B5EF4-FFF2-40B4-BE49-F238E27FC236}">
+                <a16:creationId xmlns:a16="http://schemas.microsoft.com/office/drawing/2014/main" id="{0A07373E-0EF7-4B2A-A608-D7F8E3C46504}"/>
+              </a:ext>
+            </a:extLst>
+          </p:cNvPr>
+          <p:cNvGrpSpPr/>
+          <p:nvPr/>
+        </p:nvGrpSpPr>
+        <p:grpSpPr>
+          <a:xfrm>
+            <a:off x="6682796" y="1408528"/>
+            <a:ext cx="3011107" cy="1610942"/>
+            <a:chOff x="7129159" y="1392898"/>
+            <a:chExt cx="3011107" cy="1610942"/>
+          </a:xfrm>
+        </p:grpSpPr>
+        <p:pic>
+          <p:nvPicPr>
+            <p:cNvPr id="7" name="รูปภาพ 6">
+              <a:extLst>
+                <a:ext uri="{FF2B5EF4-FFF2-40B4-BE49-F238E27FC236}">
+                  <a16:creationId xmlns:a16="http://schemas.microsoft.com/office/drawing/2014/main" id="{6161138F-7AC6-45DA-B8BA-9F5ACD57D4BE}"/>
+                </a:ext>
+              </a:extLst>
+            </p:cNvPr>
+            <p:cNvPicPr>
+              <a:picLocks noChangeAspect="1"/>
+            </p:cNvPicPr>
+            <p:nvPr/>
+          </p:nvPicPr>
+          <p:blipFill>
+            <a:blip r:embed="rId3">
+              <a:extLst>
+                <a:ext uri="{28A0092B-C50C-407E-A947-70E740481C1C}">
+                  <a14:useLocalDpi xmlns:a14="http://schemas.microsoft.com/office/drawing/2010/main" val="0"/>
+                </a:ext>
+              </a:extLst>
+            </a:blip>
+            <a:stretch>
+              <a:fillRect/>
+            </a:stretch>
+          </p:blipFill>
+          <p:spPr>
+            <a:xfrm>
+              <a:off x="7129159" y="1392898"/>
+              <a:ext cx="3011107" cy="1610942"/>
+            </a:xfrm>
+            <a:prstGeom prst="rect">
+              <a:avLst/>
+            </a:prstGeom>
+          </p:spPr>
+        </p:pic>
+        <p:sp>
+          <p:nvSpPr>
+            <p:cNvPr id="12" name="กล่องข้อความ 11">
+              <a:extLst>
+                <a:ext uri="{FF2B5EF4-FFF2-40B4-BE49-F238E27FC236}">
+                  <a16:creationId xmlns:a16="http://schemas.microsoft.com/office/drawing/2014/main" id="{4D40D23A-C25F-4D61-ADDB-DD76E1002E3E}"/>
+                </a:ext>
+              </a:extLst>
+            </p:cNvPr>
+            <p:cNvSpPr txBox="1"/>
+            <p:nvPr/>
+          </p:nvSpPr>
+          <p:spPr>
+            <a:xfrm>
+              <a:off x="7483187" y="1495387"/>
+              <a:ext cx="1588076" cy="584775"/>
+            </a:xfrm>
+            <a:prstGeom prst="rect">
+              <a:avLst/>
+            </a:prstGeom>
+            <a:noFill/>
+          </p:spPr>
+          <p:txBody>
+            <a:bodyPr wrap="square" rtlCol="0">
+              <a:spAutoFit/>
+            </a:bodyPr>
+            <a:lstStyle/>
+            <a:p>
+              <a:r>
+                <a:rPr lang="en-US" sz="3200" b="1" dirty="0">
+                  <a:ln w="22225">
+                    <a:solidFill>
+                      <a:schemeClr val="accent2"/>
+                    </a:solidFill>
+                    <a:prstDash val="solid"/>
+                  </a:ln>
+                  <a:solidFill>
+                    <a:srgbClr val="FF0000"/>
+                  </a:solidFill>
+                </a:rPr>
+                <a:t>BAD</a:t>
+              </a:r>
+              <a:endParaRPr lang="en-US" b="1" dirty="0">
+                <a:ln w="22225">
+                  <a:solidFill>
+                    <a:schemeClr val="accent2"/>
+                  </a:solidFill>
+                  <a:prstDash val="solid"/>
+                </a:ln>
+                <a:solidFill>
+                  <a:srgbClr val="FF0000"/>
+                </a:solidFill>
+              </a:endParaRPr>
+            </a:p>
+          </p:txBody>
+        </p:sp>
+      </p:grpSp>
+      <p:grpSp>
+        <p:nvGrpSpPr>
+          <p:cNvPr id="14" name="กลุ่ม 13">
+            <a:extLst>
+              <a:ext uri="{FF2B5EF4-FFF2-40B4-BE49-F238E27FC236}">
+                <a16:creationId xmlns:a16="http://schemas.microsoft.com/office/drawing/2014/main" id="{D53B7D8D-8F46-4AED-B4DC-5922166D3E83}"/>
+              </a:ext>
+            </a:extLst>
+          </p:cNvPr>
+          <p:cNvGrpSpPr/>
+          <p:nvPr/>
+        </p:nvGrpSpPr>
+        <p:grpSpPr>
+          <a:xfrm>
+            <a:off x="935909" y="2052277"/>
+            <a:ext cx="2699657" cy="1915374"/>
+            <a:chOff x="467212" y="2158561"/>
+            <a:chExt cx="2699657" cy="1915374"/>
+          </a:xfrm>
+        </p:grpSpPr>
+        <p:pic>
+          <p:nvPicPr>
+            <p:cNvPr id="5" name="รูปภาพ 4">
+              <a:extLst>
+                <a:ext uri="{FF2B5EF4-FFF2-40B4-BE49-F238E27FC236}">
+                  <a16:creationId xmlns:a16="http://schemas.microsoft.com/office/drawing/2014/main" id="{752A1842-3F92-4E4A-83A7-3D72B20BD5E8}"/>
+                </a:ext>
+              </a:extLst>
+            </p:cNvPr>
+            <p:cNvPicPr>
+              <a:picLocks noChangeAspect="1"/>
+            </p:cNvPicPr>
+            <p:nvPr/>
+          </p:nvPicPr>
+          <p:blipFill>
+            <a:blip r:embed="rId4">
+              <a:extLst>
+                <a:ext uri="{28A0092B-C50C-407E-A947-70E740481C1C}">
+                  <a14:useLocalDpi xmlns:a14="http://schemas.microsoft.com/office/drawing/2010/main" val="0"/>
+                </a:ext>
+              </a:extLst>
+            </a:blip>
+            <a:stretch>
+              <a:fillRect/>
+            </a:stretch>
+          </p:blipFill>
+          <p:spPr>
+            <a:xfrm>
+              <a:off x="467212" y="2177573"/>
+              <a:ext cx="2699657" cy="1896362"/>
+            </a:xfrm>
+            <a:prstGeom prst="rect">
+              <a:avLst/>
+            </a:prstGeom>
+          </p:spPr>
+        </p:pic>
+        <p:sp>
+          <p:nvSpPr>
+            <p:cNvPr id="13" name="สี่เหลี่ยมผืนผ้า 12">
+              <a:extLst>
+                <a:ext uri="{FF2B5EF4-FFF2-40B4-BE49-F238E27FC236}">
+                  <a16:creationId xmlns:a16="http://schemas.microsoft.com/office/drawing/2014/main" id="{47DDA458-504A-4ADB-BF35-53D062E13958}"/>
+                </a:ext>
+              </a:extLst>
+            </p:cNvPr>
+            <p:cNvSpPr/>
+            <p:nvPr/>
+          </p:nvSpPr>
+          <p:spPr>
+            <a:xfrm>
+              <a:off x="467212" y="2158561"/>
+              <a:ext cx="978793" cy="523220"/>
+            </a:xfrm>
+            <a:prstGeom prst="rect">
+              <a:avLst/>
+            </a:prstGeom>
+            <a:noFill/>
+          </p:spPr>
+          <p:txBody>
+            <a:bodyPr wrap="square" lIns="91440" tIns="45720" rIns="91440" bIns="45720">
+              <a:spAutoFit/>
+            </a:bodyPr>
+            <a:lstStyle/>
+            <a:p>
+              <a:pPr algn="ctr"/>
+              <a:r>
+                <a:rPr lang="en-US" sz="2800" b="1" cap="none" spc="0" dirty="0">
+                  <a:ln w="22225">
+                    <a:solidFill>
+                      <a:schemeClr val="accent2"/>
+                    </a:solidFill>
+                    <a:prstDash val="solid"/>
+                  </a:ln>
+                  <a:solidFill>
+                    <a:schemeClr val="accent2">
+                      <a:lumMod val="40000"/>
+                      <a:lumOff val="60000"/>
+                    </a:schemeClr>
+                  </a:solidFill>
+                  <a:effectLst/>
+                </a:rPr>
+                <a:t>Best</a:t>
+              </a:r>
+            </a:p>
+          </p:txBody>
+        </p:sp>
+      </p:grpSp>
+      <p:grpSp>
+        <p:nvGrpSpPr>
+          <p:cNvPr id="21" name="กลุ่ม 20">
+            <a:extLst>
+              <a:ext uri="{FF2B5EF4-FFF2-40B4-BE49-F238E27FC236}">
+                <a16:creationId xmlns:a16="http://schemas.microsoft.com/office/drawing/2014/main" id="{8E348A06-DF60-4E79-8730-D5B9A60B5290}"/>
+              </a:ext>
+            </a:extLst>
+          </p:cNvPr>
+          <p:cNvGrpSpPr/>
+          <p:nvPr/>
+        </p:nvGrpSpPr>
+        <p:grpSpPr>
+          <a:xfrm>
+            <a:off x="3344804" y="4182255"/>
+            <a:ext cx="3170041" cy="2195386"/>
+            <a:chOff x="3344804" y="4182255"/>
+            <a:chExt cx="3170041" cy="2195386"/>
+          </a:xfrm>
+        </p:grpSpPr>
+        <p:pic>
+          <p:nvPicPr>
+            <p:cNvPr id="9" name="รูปภาพ 8">
+              <a:extLst>
+                <a:ext uri="{FF2B5EF4-FFF2-40B4-BE49-F238E27FC236}">
+                  <a16:creationId xmlns:a16="http://schemas.microsoft.com/office/drawing/2014/main" id="{3E748F46-BCA2-4C1E-9E86-20F3DFBCBD18}"/>
+                </a:ext>
+              </a:extLst>
+            </p:cNvPr>
+            <p:cNvPicPr>
+              <a:picLocks noChangeAspect="1"/>
+            </p:cNvPicPr>
+            <p:nvPr/>
+          </p:nvPicPr>
+          <p:blipFill>
+            <a:blip r:embed="rId5">
+              <a:extLst>
+                <a:ext uri="{28A0092B-C50C-407E-A947-70E740481C1C}">
+                  <a14:useLocalDpi xmlns:a14="http://schemas.microsoft.com/office/drawing/2010/main" val="0"/>
+                </a:ext>
+              </a:extLst>
+            </a:blip>
+            <a:stretch>
+              <a:fillRect/>
+            </a:stretch>
+          </p:blipFill>
+          <p:spPr>
+            <a:xfrm>
+              <a:off x="3344804" y="4182255"/>
+              <a:ext cx="3170041" cy="2195386"/>
+            </a:xfrm>
+            <a:prstGeom prst="rect">
+              <a:avLst/>
+            </a:prstGeom>
+          </p:spPr>
+        </p:pic>
+        <p:pic>
+          <p:nvPicPr>
+            <p:cNvPr id="18" name="รูปภาพ 17">
+              <a:extLst>
+                <a:ext uri="{FF2B5EF4-FFF2-40B4-BE49-F238E27FC236}">
+                  <a16:creationId xmlns:a16="http://schemas.microsoft.com/office/drawing/2014/main" id="{2A68FF69-4A26-43EB-BCD8-0B7ED82EF538}"/>
+                </a:ext>
+              </a:extLst>
+            </p:cNvPr>
+            <p:cNvPicPr>
+              <a:picLocks noChangeAspect="1"/>
+            </p:cNvPicPr>
+            <p:nvPr/>
+          </p:nvPicPr>
+          <p:blipFill>
+            <a:blip r:embed="rId6">
+              <a:extLst>
+                <a:ext uri="{28A0092B-C50C-407E-A947-70E740481C1C}">
+                  <a14:useLocalDpi xmlns:a14="http://schemas.microsoft.com/office/drawing/2010/main" val="0"/>
+                </a:ext>
+              </a:extLst>
+            </a:blip>
+            <a:stretch>
+              <a:fillRect/>
+            </a:stretch>
+          </p:blipFill>
+          <p:spPr>
+            <a:xfrm>
+              <a:off x="5016435" y="4238691"/>
+              <a:ext cx="1391202" cy="552580"/>
+            </a:xfrm>
+            <a:prstGeom prst="rect">
+              <a:avLst/>
+            </a:prstGeom>
+          </p:spPr>
+        </p:pic>
+      </p:grpSp>
+      <p:grpSp>
+        <p:nvGrpSpPr>
+          <p:cNvPr id="22" name="กลุ่ม 21">
+            <a:extLst>
+              <a:ext uri="{FF2B5EF4-FFF2-40B4-BE49-F238E27FC236}">
+                <a16:creationId xmlns:a16="http://schemas.microsoft.com/office/drawing/2014/main" id="{05D3675F-0BCC-4E75-87B0-8B01AD313F13}"/>
+              </a:ext>
+            </a:extLst>
+          </p:cNvPr>
+          <p:cNvGrpSpPr/>
+          <p:nvPr/>
+        </p:nvGrpSpPr>
+        <p:grpSpPr>
+          <a:xfrm>
+            <a:off x="6955762" y="3692540"/>
+            <a:ext cx="3338276" cy="2586912"/>
+            <a:chOff x="6955762" y="3692540"/>
+            <a:chExt cx="3338276" cy="2586912"/>
+          </a:xfrm>
+        </p:grpSpPr>
+        <p:pic>
+          <p:nvPicPr>
+            <p:cNvPr id="11" name="รูปภาพ 10">
+              <a:extLst>
+                <a:ext uri="{FF2B5EF4-FFF2-40B4-BE49-F238E27FC236}">
+                  <a16:creationId xmlns:a16="http://schemas.microsoft.com/office/drawing/2014/main" id="{26C61EC2-D88D-48E2-9CFB-66F73C78BE8F}"/>
+                </a:ext>
+              </a:extLst>
+            </p:cNvPr>
+            <p:cNvPicPr>
+              <a:picLocks noChangeAspect="1"/>
+            </p:cNvPicPr>
+            <p:nvPr/>
+          </p:nvPicPr>
+          <p:blipFill>
+            <a:blip r:embed="rId7">
+              <a:extLst>
+                <a:ext uri="{28A0092B-C50C-407E-A947-70E740481C1C}">
+                  <a14:useLocalDpi xmlns:a14="http://schemas.microsoft.com/office/drawing/2010/main" val="0"/>
+                </a:ext>
+              </a:extLst>
+            </a:blip>
+            <a:stretch>
+              <a:fillRect/>
+            </a:stretch>
+          </p:blipFill>
+          <p:spPr>
+            <a:xfrm>
+              <a:off x="6955762" y="3692540"/>
+              <a:ext cx="3338276" cy="2586912"/>
+            </a:xfrm>
+            <a:prstGeom prst="rect">
+              <a:avLst/>
+            </a:prstGeom>
+          </p:spPr>
+        </p:pic>
+        <p:pic>
+          <p:nvPicPr>
+            <p:cNvPr id="20" name="รูปภาพ 19">
+              <a:extLst>
+                <a:ext uri="{FF2B5EF4-FFF2-40B4-BE49-F238E27FC236}">
+                  <a16:creationId xmlns:a16="http://schemas.microsoft.com/office/drawing/2014/main" id="{4ACE8B68-A6ED-442B-9441-03886D6F75E8}"/>
+                </a:ext>
+              </a:extLst>
+            </p:cNvPr>
+            <p:cNvPicPr>
+              <a:picLocks noChangeAspect="1"/>
+            </p:cNvPicPr>
+            <p:nvPr/>
+          </p:nvPicPr>
+          <p:blipFill>
+            <a:blip r:embed="rId8">
+              <a:extLst>
+                <a:ext uri="{28A0092B-C50C-407E-A947-70E740481C1C}">
+                  <a14:useLocalDpi xmlns:a14="http://schemas.microsoft.com/office/drawing/2010/main" val="0"/>
+                </a:ext>
+              </a:extLst>
+            </a:blip>
+            <a:stretch>
+              <a:fillRect/>
+            </a:stretch>
+          </p:blipFill>
+          <p:spPr>
+            <a:xfrm>
+              <a:off x="9567847" y="3981475"/>
+              <a:ext cx="534387" cy="533506"/>
+            </a:xfrm>
+            <a:prstGeom prst="rect">
+              <a:avLst/>
+            </a:prstGeom>
+          </p:spPr>
+        </p:pic>
+      </p:grpSp>
+    </p:spTree>
+    <p:extLst>
+      <p:ext uri="{BB962C8B-B14F-4D97-AF65-F5344CB8AC3E}">
+        <p14:creationId xmlns:p14="http://schemas.microsoft.com/office/powerpoint/2010/main" val="1238358283"/>
+      </p:ext>
+    </p:extLst>
+  </p:cSld>
+  <p:clrMapOvr>
+    <a:masterClrMapping/>
+  </p:clrMapOvr>
+  <p:timing>
+    <p:tnLst>
+      <p:par>
+        <p:cTn id="1" dur="indefinite" restart="never" nodeType="tmRoot">
+          <p:childTnLst>
+            <p:seq concurrent="1" nextAc="seek">
+              <p:cTn id="2" dur="indefinite" nodeType="mainSeq">
+                <p:childTnLst>
+                  <p:par>
+                    <p:cTn id="3" fill="hold">
+                      <p:stCondLst>
+                        <p:cond delay="indefinite"/>
+                      </p:stCondLst>
+                      <p:childTnLst>
+                        <p:par>
+                          <p:cTn id="4" fill="hold">
+                            <p:stCondLst>
+                              <p:cond delay="0"/>
+                            </p:stCondLst>
+                            <p:childTnLst>
+                              <p:par>
+                                <p:cTn id="5" presetID="42" presetClass="entr" presetSubtype="0" fill="hold" nodeType="clickEffect">
+                                  <p:stCondLst>
+                                    <p:cond delay="0"/>
+                                  </p:stCondLst>
+                                  <p:childTnLst>
+                                    <p:set>
+                                      <p:cBhvr>
+                                        <p:cTn id="6" dur="1" fill="hold">
+                                          <p:stCondLst>
+                                            <p:cond delay="0"/>
+                                          </p:stCondLst>
+                                        </p:cTn>
+                                        <p:tgtEl>
+                                          <p:spTgt spid="14"/>
+                                        </p:tgtEl>
+                                        <p:attrNameLst>
+                                          <p:attrName>style.visibility</p:attrName>
+                                        </p:attrNameLst>
+                                      </p:cBhvr>
+                                      <p:to>
+                                        <p:strVal val="visible"/>
+                                      </p:to>
+                                    </p:set>
+                                    <p:animEffect transition="in" filter="fade">
+                                      <p:cBhvr>
+                                        <p:cTn id="7" dur="1000"/>
+                                        <p:tgtEl>
+                                          <p:spTgt spid="14"/>
+                                        </p:tgtEl>
+                                      </p:cBhvr>
+                                    </p:animEffect>
+                                    <p:anim calcmode="lin" valueType="num">
+                                      <p:cBhvr>
+                                        <p:cTn id="8" dur="1000" fill="hold"/>
+                                        <p:tgtEl>
+                                          <p:spTgt spid="14"/>
+                                        </p:tgtEl>
+                                        <p:attrNameLst>
+                                          <p:attrName>ppt_x</p:attrName>
+                                        </p:attrNameLst>
+                                      </p:cBhvr>
+                                      <p:tavLst>
+                                        <p:tav tm="0">
+                                          <p:val>
+                                            <p:strVal val="#ppt_x"/>
+                                          </p:val>
+                                        </p:tav>
+                                        <p:tav tm="100000">
+                                          <p:val>
+                                            <p:strVal val="#ppt_x"/>
+                                          </p:val>
+                                        </p:tav>
+                                      </p:tavLst>
+                                    </p:anim>
+                                    <p:anim calcmode="lin" valueType="num">
+                                      <p:cBhvr>
+                                        <p:cTn id="9" dur="1000" fill="hold"/>
+                                        <p:tgtEl>
+                                          <p:spTgt spid="14"/>
+                                        </p:tgtEl>
+                                        <p:attrNameLst>
+                                          <p:attrName>ppt_y</p:attrName>
+                                        </p:attrNameLst>
+                                      </p:cBhvr>
+                                      <p:tavLst>
+                                        <p:tav tm="0">
+                                          <p:val>
+                                            <p:strVal val="#ppt_y+.1"/>
+                                          </p:val>
+                                        </p:tav>
+                                        <p:tav tm="100000">
+                                          <p:val>
+                                            <p:strVal val="#ppt_y"/>
+                                          </p:val>
+                                        </p:tav>
+                                      </p:tavLst>
+                                    </p:anim>
+                                  </p:childTnLst>
+                                </p:cTn>
+                              </p:par>
+                            </p:childTnLst>
+                          </p:cTn>
+                        </p:par>
+                      </p:childTnLst>
+                    </p:cTn>
+                  </p:par>
+                  <p:par>
+                    <p:cTn id="10" fill="hold">
+                      <p:stCondLst>
+                        <p:cond delay="indefinite"/>
+                      </p:stCondLst>
+                      <p:childTnLst>
+                        <p:par>
+                          <p:cTn id="11" fill="hold">
+                            <p:stCondLst>
+                              <p:cond delay="0"/>
+                            </p:stCondLst>
+                            <p:childTnLst>
+                              <p:par>
+                                <p:cTn id="12" presetID="2" presetClass="entr" presetSubtype="4" fill="hold" nodeType="clickEffect">
+                                  <p:stCondLst>
+                                    <p:cond delay="0"/>
+                                  </p:stCondLst>
+                                  <p:childTnLst>
+                                    <p:set>
+                                      <p:cBhvr>
+                                        <p:cTn id="13" dur="1" fill="hold">
+                                          <p:stCondLst>
+                                            <p:cond delay="0"/>
+                                          </p:stCondLst>
+                                        </p:cTn>
+                                        <p:tgtEl>
+                                          <p:spTgt spid="16"/>
+                                        </p:tgtEl>
+                                        <p:attrNameLst>
+                                          <p:attrName>style.visibility</p:attrName>
+                                        </p:attrNameLst>
+                                      </p:cBhvr>
+                                      <p:to>
+                                        <p:strVal val="visible"/>
+                                      </p:to>
+                                    </p:set>
+                                    <p:anim calcmode="lin" valueType="num">
+                                      <p:cBhvr additive="base">
+                                        <p:cTn id="14" dur="500" fill="hold"/>
+                                        <p:tgtEl>
+                                          <p:spTgt spid="16"/>
+                                        </p:tgtEl>
+                                        <p:attrNameLst>
+                                          <p:attrName>ppt_x</p:attrName>
+                                        </p:attrNameLst>
+                                      </p:cBhvr>
+                                      <p:tavLst>
+                                        <p:tav tm="0">
+                                          <p:val>
+                                            <p:strVal val="#ppt_x"/>
+                                          </p:val>
+                                        </p:tav>
+                                        <p:tav tm="100000">
+                                          <p:val>
+                                            <p:strVal val="#ppt_x"/>
+                                          </p:val>
+                                        </p:tav>
+                                      </p:tavLst>
+                                    </p:anim>
+                                    <p:anim calcmode="lin" valueType="num">
+                                      <p:cBhvr additive="base">
+                                        <p:cTn id="15" dur="500" fill="hold"/>
+                                        <p:tgtEl>
+                                          <p:spTgt spid="16"/>
+                                        </p:tgtEl>
+                                        <p:attrNameLst>
+                                          <p:attrName>ppt_y</p:attrName>
+                                        </p:attrNameLst>
+                                      </p:cBhvr>
+                                      <p:tavLst>
+                                        <p:tav tm="0">
+                                          <p:val>
+                                            <p:strVal val="1+#ppt_h/2"/>
+                                          </p:val>
+                                        </p:tav>
+                                        <p:tav tm="100000">
+                                          <p:val>
+                                            <p:strVal val="#ppt_y"/>
+                                          </p:val>
+                                        </p:tav>
+                                      </p:tavLst>
+                                    </p:anim>
+                                  </p:childTnLst>
+                                </p:cTn>
+                              </p:par>
+                            </p:childTnLst>
+                          </p:cTn>
+                        </p:par>
+                      </p:childTnLst>
+                    </p:cTn>
+                  </p:par>
+                  <p:par>
+                    <p:cTn id="16" fill="hold">
+                      <p:stCondLst>
+                        <p:cond delay="indefinite"/>
+                      </p:stCondLst>
+                      <p:childTnLst>
+                        <p:par>
+                          <p:cTn id="17" fill="hold">
+                            <p:stCondLst>
+                              <p:cond delay="0"/>
+                            </p:stCondLst>
+                            <p:childTnLst>
+                              <p:par>
+                                <p:cTn id="18" presetID="21" presetClass="entr" presetSubtype="1" fill="hold" nodeType="clickEffect">
+                                  <p:stCondLst>
+                                    <p:cond delay="0"/>
+                                  </p:stCondLst>
+                                  <p:childTnLst>
+                                    <p:set>
+                                      <p:cBhvr>
+                                        <p:cTn id="19" dur="1" fill="hold">
+                                          <p:stCondLst>
+                                            <p:cond delay="0"/>
+                                          </p:stCondLst>
+                                        </p:cTn>
+                                        <p:tgtEl>
+                                          <p:spTgt spid="21"/>
+                                        </p:tgtEl>
+                                        <p:attrNameLst>
+                                          <p:attrName>style.visibility</p:attrName>
+                                        </p:attrNameLst>
+                                      </p:cBhvr>
+                                      <p:to>
+                                        <p:strVal val="visible"/>
+                                      </p:to>
+                                    </p:set>
+                                    <p:animEffect transition="in" filter="wheel(1)">
+                                      <p:cBhvr>
+                                        <p:cTn id="20" dur="2000"/>
+                                        <p:tgtEl>
+                                          <p:spTgt spid="21"/>
+                                        </p:tgtEl>
+                                      </p:cBhvr>
+                                    </p:animEffect>
+                                  </p:childTnLst>
+                                </p:cTn>
+                              </p:par>
+                            </p:childTnLst>
+                          </p:cTn>
+                        </p:par>
+                      </p:childTnLst>
+                    </p:cTn>
+                  </p:par>
+                  <p:par>
+                    <p:cTn id="21" fill="hold">
+                      <p:stCondLst>
+                        <p:cond delay="indefinite"/>
+                      </p:stCondLst>
+                      <p:childTnLst>
+                        <p:par>
+                          <p:cTn id="22" fill="hold">
+                            <p:stCondLst>
+                              <p:cond delay="0"/>
+                            </p:stCondLst>
+                            <p:childTnLst>
+                              <p:par>
+                                <p:cTn id="23" presetID="42" presetClass="entr" presetSubtype="0" fill="hold" nodeType="clickEffect">
+                                  <p:stCondLst>
+                                    <p:cond delay="0"/>
+                                  </p:stCondLst>
+                                  <p:childTnLst>
+                                    <p:set>
+                                      <p:cBhvr>
+                                        <p:cTn id="24" dur="1" fill="hold">
+                                          <p:stCondLst>
+                                            <p:cond delay="0"/>
+                                          </p:stCondLst>
+                                        </p:cTn>
+                                        <p:tgtEl>
+                                          <p:spTgt spid="22"/>
+                                        </p:tgtEl>
+                                        <p:attrNameLst>
+                                          <p:attrName>style.visibility</p:attrName>
+                                        </p:attrNameLst>
+                                      </p:cBhvr>
+                                      <p:to>
+                                        <p:strVal val="visible"/>
+                                      </p:to>
+                                    </p:set>
+                                    <p:animEffect transition="in" filter="fade">
+                                      <p:cBhvr>
+                                        <p:cTn id="25" dur="1000"/>
+                                        <p:tgtEl>
+                                          <p:spTgt spid="22"/>
+                                        </p:tgtEl>
+                                      </p:cBhvr>
+                                    </p:animEffect>
+                                    <p:anim calcmode="lin" valueType="num">
+                                      <p:cBhvr>
+                                        <p:cTn id="26" dur="1000" fill="hold"/>
+                                        <p:tgtEl>
+                                          <p:spTgt spid="22"/>
+                                        </p:tgtEl>
+                                        <p:attrNameLst>
+                                          <p:attrName>ppt_x</p:attrName>
+                                        </p:attrNameLst>
+                                      </p:cBhvr>
+                                      <p:tavLst>
+                                        <p:tav tm="0">
+                                          <p:val>
+                                            <p:strVal val="#ppt_x"/>
+                                          </p:val>
+                                        </p:tav>
+                                        <p:tav tm="100000">
+                                          <p:val>
+                                            <p:strVal val="#ppt_x"/>
+                                          </p:val>
+                                        </p:tav>
+                                      </p:tavLst>
+                                    </p:anim>
+                                    <p:anim calcmode="lin" valueType="num">
+                                      <p:cBhvr>
+                                        <p:cTn id="27" dur="1000" fill="hold"/>
+                                        <p:tgtEl>
+                                          <p:spTgt spid="22"/>
+                                        </p:tgtEl>
+                                        <p:attrNameLst>
+                                          <p:attrName>ppt_y</p:attrName>
+                                        </p:attrNameLst>
+                                      </p:cBhvr>
+                                      <p:tavLst>
+                                        <p:tav tm="0">
+                                          <p:val>
+                                            <p:strVal val="#ppt_y+.1"/>
+                                          </p:val>
+                                        </p:tav>
+                                        <p:tav tm="100000">
+                                          <p:val>
+                                            <p:strVal val="#ppt_y"/>
+                                          </p:val>
+                                        </p:tav>
+                                      </p:tavLst>
+                                    </p:anim>
+                                  </p:childTnLst>
+                                </p:cTn>
+                              </p:par>
+                            </p:childTnLst>
+                          </p:cTn>
+                        </p:par>
+                      </p:childTnLst>
+                    </p:cTn>
+                  </p:par>
+                </p:childTnLst>
+              </p:cTn>
+              <p:prevCondLst>
+                <p:cond evt="onPrev" delay="0">
+                  <p:tgtEl>
+                    <p:sldTgt/>
+                  </p:tgtEl>
+                </p:cond>
+              </p:prevCondLst>
+              <p:nextCondLst>
+                <p:cond evt="onNext" delay="0">
+                  <p:tgtEl>
+                    <p:sldTgt/>
+                  </p:tgtEl>
+                </p:cond>
+              </p:nextCondLst>
+            </p:seq>
+          </p:childTnLst>
+        </p:cTn>
+      </p:par>
+    </p:tnLst>
+  </p:timing>
+</p:sld>
+</file>
+
+<file path=ppt/slides/slide4.xml><?xml version="1.0" encoding="utf-8"?>
+<p:sld xmlns:a="http://schemas.openxmlformats.org/drawingml/2006/main" xmlns:r="http://schemas.openxmlformats.org/officeDocument/2006/relationships" xmlns:p="http://schemas.openxmlformats.org/presentationml/2006/main">
+  <p:cSld>
+    <p:bg>
+      <p:bgPr>
+        <a:blipFill dpi="0" rotWithShape="1">
+          <a:blip r:embed="rId2">
+            <a:lum/>
+          </a:blip>
+          <a:srcRect/>
+          <a:stretch>
+            <a:fillRect l="-1000" r="-1000"/>
+          </a:stretch>
+        </a:blipFill>
+        <a:effectLst/>
+      </p:bgPr>
+    </p:bg>
+    <p:spTree>
+      <p:nvGrpSpPr>
+        <p:cNvPr id="1" name=""/>
+        <p:cNvGrpSpPr/>
+        <p:nvPr/>
+      </p:nvGrpSpPr>
+      <p:grpSpPr>
+        <a:xfrm>
+          <a:off x="0" y="0"/>
+          <a:ext cx="0" cy="0"/>
+          <a:chOff x="0" y="0"/>
+          <a:chExt cx="0" cy="0"/>
+        </a:xfrm>
+      </p:grpSpPr>
+      <p:sp>
+        <p:nvSpPr>
+          <p:cNvPr id="7" name="สี่เหลี่ยมผืนผ้า 6">
+            <a:extLst>
+              <a:ext uri="{FF2B5EF4-FFF2-40B4-BE49-F238E27FC236}">
+                <a16:creationId xmlns:a16="http://schemas.microsoft.com/office/drawing/2014/main" id="{39CCED63-4684-4C4B-AEFE-37740597E7B0}"/>
+              </a:ext>
+            </a:extLst>
+          </p:cNvPr>
+          <p:cNvSpPr/>
+          <p:nvPr/>
+        </p:nvSpPr>
+        <p:spPr>
+          <a:xfrm>
+            <a:off x="685800" y="502335"/>
+            <a:ext cx="9855200" cy="830997"/>
+          </a:xfrm>
+          <a:prstGeom prst="rect">
+            <a:avLst/>
+          </a:prstGeom>
+        </p:spPr>
+        <p:txBody>
+          <a:bodyPr wrap="square">
+            <a:spAutoFit/>
+          </a:bodyPr>
+          <a:lstStyle/>
+          <a:p>
+            <a:r>
+              <a:rPr lang="en-US" sz="2400" dirty="0"/>
+              <a:t>Due to the explosive growth of social media contents, people usually experience information seeking.</a:t>
+            </a:r>
+          </a:p>
+        </p:txBody>
+      </p:sp>
+      <p:grpSp>
+        <p:nvGrpSpPr>
+          <p:cNvPr id="14" name="กลุ่ม 13">
+            <a:extLst>
+              <a:ext uri="{FF2B5EF4-FFF2-40B4-BE49-F238E27FC236}">
+                <a16:creationId xmlns:a16="http://schemas.microsoft.com/office/drawing/2014/main" id="{F312422A-93ED-4B51-B6D5-759FD45E933A}"/>
+              </a:ext>
+            </a:extLst>
+          </p:cNvPr>
+          <p:cNvGrpSpPr/>
+          <p:nvPr/>
+        </p:nvGrpSpPr>
+        <p:grpSpPr>
+          <a:xfrm rot="254675">
+            <a:off x="18260" y="1787342"/>
+            <a:ext cx="3825635" cy="3318056"/>
+            <a:chOff x="1314449" y="1774643"/>
+            <a:chExt cx="3825635" cy="3318056"/>
+          </a:xfrm>
+        </p:grpSpPr>
+        <p:pic>
+          <p:nvPicPr>
+            <p:cNvPr id="9" name="รูปภาพ 8">
+              <a:extLst>
+                <a:ext uri="{FF2B5EF4-FFF2-40B4-BE49-F238E27FC236}">
+                  <a16:creationId xmlns:a16="http://schemas.microsoft.com/office/drawing/2014/main" id="{31616AEC-B5D5-43D2-B744-0ECC1F9EAF4A}"/>
+                </a:ext>
+              </a:extLst>
+            </p:cNvPr>
+            <p:cNvPicPr>
+              <a:picLocks noChangeAspect="1"/>
+            </p:cNvPicPr>
+            <p:nvPr/>
+          </p:nvPicPr>
+          <p:blipFill>
+            <a:blip r:embed="rId3">
+              <a:extLst>
+                <a:ext uri="{28A0092B-C50C-407E-A947-70E740481C1C}">
+                  <a14:useLocalDpi xmlns:a14="http://schemas.microsoft.com/office/drawing/2010/main" val="0"/>
+                </a:ext>
+              </a:extLst>
+            </a:blip>
+            <a:stretch>
+              <a:fillRect/>
+            </a:stretch>
+          </p:blipFill>
+          <p:spPr>
+            <a:xfrm>
+              <a:off x="1930400" y="3090967"/>
+              <a:ext cx="2489200" cy="2001732"/>
+            </a:xfrm>
+            <a:prstGeom prst="rect">
+              <a:avLst/>
+            </a:prstGeom>
+          </p:spPr>
+        </p:pic>
+        <p:pic>
+          <p:nvPicPr>
+            <p:cNvPr id="11" name="รูปภาพ 10">
+              <a:extLst>
+                <a:ext uri="{FF2B5EF4-FFF2-40B4-BE49-F238E27FC236}">
+                  <a16:creationId xmlns:a16="http://schemas.microsoft.com/office/drawing/2014/main" id="{5D128EA0-ABC6-46DB-A010-A3C74EA8FE02}"/>
+                </a:ext>
+              </a:extLst>
+            </p:cNvPr>
+            <p:cNvPicPr>
+              <a:picLocks noChangeAspect="1"/>
+            </p:cNvPicPr>
+            <p:nvPr/>
+          </p:nvPicPr>
+          <p:blipFill>
+            <a:blip r:embed="rId4">
+              <a:extLst>
+                <a:ext uri="{28A0092B-C50C-407E-A947-70E740481C1C}">
+                  <a14:useLocalDpi xmlns:a14="http://schemas.microsoft.com/office/drawing/2010/main" val="0"/>
+                </a:ext>
+              </a:extLst>
+            </a:blip>
+            <a:stretch>
+              <a:fillRect/>
+            </a:stretch>
+          </p:blipFill>
+          <p:spPr>
+            <a:xfrm rot="19358425">
+              <a:off x="1314449" y="1897167"/>
+              <a:ext cx="1231900" cy="1231900"/>
+            </a:xfrm>
+            <a:prstGeom prst="rect">
+              <a:avLst/>
+            </a:prstGeom>
+          </p:spPr>
+        </p:pic>
+        <p:pic>
+          <p:nvPicPr>
+            <p:cNvPr id="12" name="รูปภาพ 11">
+              <a:extLst>
+                <a:ext uri="{FF2B5EF4-FFF2-40B4-BE49-F238E27FC236}">
+                  <a16:creationId xmlns:a16="http://schemas.microsoft.com/office/drawing/2014/main" id="{AFF4F29A-8067-4A1E-BF68-3307D59F3150}"/>
+                </a:ext>
+              </a:extLst>
+            </p:cNvPr>
+            <p:cNvPicPr>
+              <a:picLocks noChangeAspect="1"/>
+            </p:cNvPicPr>
+            <p:nvPr/>
+          </p:nvPicPr>
+          <p:blipFill>
+            <a:blip r:embed="rId4">
+              <a:extLst>
+                <a:ext uri="{28A0092B-C50C-407E-A947-70E740481C1C}">
+                  <a14:useLocalDpi xmlns:a14="http://schemas.microsoft.com/office/drawing/2010/main" val="0"/>
+                </a:ext>
+              </a:extLst>
+            </a:blip>
+            <a:stretch>
+              <a:fillRect/>
+            </a:stretch>
+          </p:blipFill>
+          <p:spPr>
+            <a:xfrm rot="795745">
+              <a:off x="2647949" y="1774643"/>
+              <a:ext cx="1231900" cy="1231900"/>
+            </a:xfrm>
+            <a:prstGeom prst="rect">
+              <a:avLst/>
+            </a:prstGeom>
+          </p:spPr>
+        </p:pic>
+        <p:pic>
+          <p:nvPicPr>
+            <p:cNvPr id="13" name="รูปภาพ 12">
+              <a:extLst>
+                <a:ext uri="{FF2B5EF4-FFF2-40B4-BE49-F238E27FC236}">
+                  <a16:creationId xmlns:a16="http://schemas.microsoft.com/office/drawing/2014/main" id="{D7EA3507-F870-4C38-8926-5C2E1981E424}"/>
+                </a:ext>
+              </a:extLst>
+            </p:cNvPr>
+            <p:cNvPicPr>
+              <a:picLocks noChangeAspect="1"/>
+            </p:cNvPicPr>
+            <p:nvPr/>
+          </p:nvPicPr>
+          <p:blipFill>
+            <a:blip r:embed="rId4">
+              <a:extLst>
+                <a:ext uri="{28A0092B-C50C-407E-A947-70E740481C1C}">
+                  <a14:useLocalDpi xmlns:a14="http://schemas.microsoft.com/office/drawing/2010/main" val="0"/>
+                </a:ext>
+              </a:extLst>
+            </a:blip>
+            <a:stretch>
+              <a:fillRect/>
+            </a:stretch>
+          </p:blipFill>
+          <p:spPr>
+            <a:xfrm rot="2368185">
+              <a:off x="3908184" y="1900844"/>
+              <a:ext cx="1231900" cy="1231900"/>
+            </a:xfrm>
+            <a:prstGeom prst="rect">
+              <a:avLst/>
+            </a:prstGeom>
+          </p:spPr>
+        </p:pic>
+      </p:grpSp>
+      <p:grpSp>
+        <p:nvGrpSpPr>
+          <p:cNvPr id="21" name="กลุ่ม 20">
+            <a:extLst>
+              <a:ext uri="{FF2B5EF4-FFF2-40B4-BE49-F238E27FC236}">
+                <a16:creationId xmlns:a16="http://schemas.microsoft.com/office/drawing/2014/main" id="{15923B37-C5A0-4C90-8585-8287AC3C54AB}"/>
+              </a:ext>
+            </a:extLst>
+          </p:cNvPr>
+          <p:cNvGrpSpPr/>
+          <p:nvPr/>
+        </p:nvGrpSpPr>
+        <p:grpSpPr>
+          <a:xfrm>
+            <a:off x="4363135" y="1133733"/>
+            <a:ext cx="5626927" cy="5279256"/>
+            <a:chOff x="4749800" y="1289511"/>
+            <a:chExt cx="5626927" cy="5279256"/>
+          </a:xfrm>
+        </p:grpSpPr>
+        <p:pic>
+          <p:nvPicPr>
+            <p:cNvPr id="16" name="รูปภาพ 15">
+              <a:extLst>
+                <a:ext uri="{FF2B5EF4-FFF2-40B4-BE49-F238E27FC236}">
+                  <a16:creationId xmlns:a16="http://schemas.microsoft.com/office/drawing/2014/main" id="{2D1F3D06-D09C-462D-85F7-A577526F8B5A}"/>
+                </a:ext>
+              </a:extLst>
+            </p:cNvPr>
+            <p:cNvPicPr>
+              <a:picLocks noChangeAspect="1"/>
+            </p:cNvPicPr>
+            <p:nvPr/>
+          </p:nvPicPr>
+          <p:blipFill>
+            <a:blip r:embed="rId5">
+              <a:extLst>
+                <a:ext uri="{28A0092B-C50C-407E-A947-70E740481C1C}">
+                  <a14:useLocalDpi xmlns:a14="http://schemas.microsoft.com/office/drawing/2010/main" val="0"/>
+                </a:ext>
+              </a:extLst>
+            </a:blip>
+            <a:stretch>
+              <a:fillRect/>
+            </a:stretch>
+          </p:blipFill>
+          <p:spPr>
+            <a:xfrm>
+              <a:off x="5345834" y="1289511"/>
+              <a:ext cx="2173860" cy="2802322"/>
+            </a:xfrm>
+            <a:prstGeom prst="rect">
+              <a:avLst/>
+            </a:prstGeom>
+          </p:spPr>
+        </p:pic>
+        <p:pic>
+          <p:nvPicPr>
+            <p:cNvPr id="18" name="รูปภาพ 17">
+              <a:extLst>
+                <a:ext uri="{FF2B5EF4-FFF2-40B4-BE49-F238E27FC236}">
+                  <a16:creationId xmlns:a16="http://schemas.microsoft.com/office/drawing/2014/main" id="{75AA0C44-C741-4DAF-8A94-E55791624208}"/>
+                </a:ext>
+              </a:extLst>
+            </p:cNvPr>
+            <p:cNvPicPr>
+              <a:picLocks noChangeAspect="1"/>
+            </p:cNvPicPr>
+            <p:nvPr/>
+          </p:nvPicPr>
+          <p:blipFill>
+            <a:blip r:embed="rId6">
+              <a:extLst>
+                <a:ext uri="{28A0092B-C50C-407E-A947-70E740481C1C}">
+                  <a14:useLocalDpi xmlns:a14="http://schemas.microsoft.com/office/drawing/2010/main" val="0"/>
+                </a:ext>
+              </a:extLst>
+            </a:blip>
+            <a:stretch>
+              <a:fillRect/>
+            </a:stretch>
+          </p:blipFill>
+          <p:spPr>
+            <a:xfrm>
+              <a:off x="7269573" y="2690672"/>
+              <a:ext cx="3107154" cy="2407810"/>
+            </a:xfrm>
+            <a:prstGeom prst="rect">
+              <a:avLst/>
+            </a:prstGeom>
+          </p:spPr>
+        </p:pic>
+        <p:pic>
+          <p:nvPicPr>
+            <p:cNvPr id="20" name="รูปภาพ 19">
+              <a:extLst>
+                <a:ext uri="{FF2B5EF4-FFF2-40B4-BE49-F238E27FC236}">
+                  <a16:creationId xmlns:a16="http://schemas.microsoft.com/office/drawing/2014/main" id="{DB2D9817-A48B-4ECF-AE31-DB296B0301CA}"/>
+                </a:ext>
+              </a:extLst>
+            </p:cNvPr>
+            <p:cNvPicPr>
+              <a:picLocks noChangeAspect="1"/>
+            </p:cNvPicPr>
+            <p:nvPr/>
+          </p:nvPicPr>
+          <p:blipFill>
+            <a:blip r:embed="rId7">
+              <a:extLst>
+                <a:ext uri="{28A0092B-C50C-407E-A947-70E740481C1C}">
+                  <a14:useLocalDpi xmlns:a14="http://schemas.microsoft.com/office/drawing/2010/main" val="0"/>
+                </a:ext>
+              </a:extLst>
+            </a:blip>
+            <a:stretch>
+              <a:fillRect/>
+            </a:stretch>
+          </p:blipFill>
+          <p:spPr>
+            <a:xfrm>
+              <a:off x="4749800" y="4318012"/>
+              <a:ext cx="3249992" cy="2250755"/>
+            </a:xfrm>
+            <a:prstGeom prst="rect">
+              <a:avLst/>
+            </a:prstGeom>
+          </p:spPr>
+        </p:pic>
+      </p:grpSp>
+      <p:pic>
+        <p:nvPicPr>
+          <p:cNvPr id="27" name="รูปภาพ 26">
+            <a:extLst>
+              <a:ext uri="{FF2B5EF4-FFF2-40B4-BE49-F238E27FC236}">
+                <a16:creationId xmlns:a16="http://schemas.microsoft.com/office/drawing/2014/main" id="{903E5105-DA88-485C-8A03-FBEA7DC8416F}"/>
+              </a:ext>
+            </a:extLst>
+          </p:cNvPr>
+          <p:cNvPicPr>
+            <a:picLocks noChangeAspect="1"/>
+          </p:cNvPicPr>
+          <p:nvPr/>
+        </p:nvPicPr>
+        <p:blipFill>
+          <a:blip r:embed="rId8">
+            <a:extLst>
+              <a:ext uri="{28A0092B-C50C-407E-A947-70E740481C1C}">
+                <a14:useLocalDpi xmlns:a14="http://schemas.microsoft.com/office/drawing/2010/main" val="0"/>
+              </a:ext>
+            </a:extLst>
+          </a:blip>
+          <a:stretch>
+            <a:fillRect/>
+          </a:stretch>
+        </p:blipFill>
+        <p:spPr>
+          <a:xfrm>
+            <a:off x="9990062" y="4837397"/>
+            <a:ext cx="2256423" cy="2256423"/>
+          </a:xfrm>
+          <a:prstGeom prst="rect">
+            <a:avLst/>
+          </a:prstGeom>
+        </p:spPr>
+      </p:pic>
+    </p:spTree>
+    <p:extLst>
+      <p:ext uri="{BB962C8B-B14F-4D97-AF65-F5344CB8AC3E}">
+        <p14:creationId xmlns:p14="http://schemas.microsoft.com/office/powerpoint/2010/main" val="86297770"/>
+      </p:ext>
+    </p:extLst>
+  </p:cSld>
+  <p:clrMapOvr>
+    <a:masterClrMapping/>
+  </p:clrMapOvr>
+  <p:timing>
+    <p:tnLst>
+      <p:par>
+        <p:cTn id="1" dur="indefinite" restart="never" nodeType="tmRoot">
+          <p:childTnLst>
+            <p:seq concurrent="1" nextAc="seek">
+              <p:cTn id="2" dur="indefinite" nodeType="mainSeq">
+                <p:childTnLst>
+                  <p:par>
+                    <p:cTn id="3" fill="hold">
+                      <p:stCondLst>
+                        <p:cond delay="indefinite"/>
+                      </p:stCondLst>
+                      <p:childTnLst>
+                        <p:par>
+                          <p:cTn id="4" fill="hold">
+                            <p:stCondLst>
+                              <p:cond delay="0"/>
+                            </p:stCondLst>
+                            <p:childTnLst>
+                              <p:par>
+                                <p:cTn id="5" presetID="26" presetClass="entr" presetSubtype="0" fill="hold" nodeType="clickEffect">
+                                  <p:stCondLst>
+                                    <p:cond delay="0"/>
+                                  </p:stCondLst>
+                                  <p:childTnLst>
+                                    <p:set>
+                                      <p:cBhvr>
+                                        <p:cTn id="6" dur="1" fill="hold">
+                                          <p:stCondLst>
+                                            <p:cond delay="0"/>
+                                          </p:stCondLst>
+                                        </p:cTn>
+                                        <p:tgtEl>
+                                          <p:spTgt spid="14"/>
+                                        </p:tgtEl>
+                                        <p:attrNameLst>
+                                          <p:attrName>style.visibility</p:attrName>
+                                        </p:attrNameLst>
+                                      </p:cBhvr>
+                                      <p:to>
+                                        <p:strVal val="visible"/>
+                                      </p:to>
+                                    </p:set>
+                                    <p:animEffect transition="in" filter="wipe(down)">
+                                      <p:cBhvr>
+                                        <p:cTn id="7" dur="580">
+                                          <p:stCondLst>
+                                            <p:cond delay="0"/>
+                                          </p:stCondLst>
+                                        </p:cTn>
+                                        <p:tgtEl>
+                                          <p:spTgt spid="14"/>
+                                        </p:tgtEl>
+                                      </p:cBhvr>
+                                    </p:animEffect>
+                                    <p:anim calcmode="lin" valueType="num">
+                                      <p:cBhvr>
+                                        <p:cTn id="8" dur="1822" tmFilter="0,0; 0.14,0.36; 0.43,0.73; 0.71,0.91; 1.0,1.0">
+                                          <p:stCondLst>
+                                            <p:cond delay="0"/>
+                                          </p:stCondLst>
+                                        </p:cTn>
+                                        <p:tgtEl>
+                                          <p:spTgt spid="14"/>
+                                        </p:tgtEl>
+                                        <p:attrNameLst>
+                                          <p:attrName>ppt_x</p:attrName>
+                                        </p:attrNameLst>
+                                      </p:cBhvr>
+                                      <p:tavLst>
+                                        <p:tav tm="0">
+                                          <p:val>
+                                            <p:strVal val="#ppt_x-0.25"/>
+                                          </p:val>
+                                        </p:tav>
+                                        <p:tav tm="100000">
+                                          <p:val>
+                                            <p:strVal val="#ppt_x"/>
+                                          </p:val>
+                                        </p:tav>
+                                      </p:tavLst>
+                                    </p:anim>
+                                    <p:anim calcmode="lin" valueType="num">
+                                      <p:cBhvr>
+                                        <p:cTn id="9" dur="664" tmFilter="0.0,0.0; 0.25,0.07; 0.50,0.2; 0.75,0.467; 1.0,1.0">
+                                          <p:stCondLst>
+                                            <p:cond delay="0"/>
+                                          </p:stCondLst>
+                                        </p:cTn>
+                                        <p:tgtEl>
+                                          <p:spTgt spid="14"/>
+                                        </p:tgtEl>
+                                        <p:attrNameLst>
+                                          <p:attrName>ppt_y</p:attrName>
+                                        </p:attrNameLst>
+                                      </p:cBhvr>
+                                      <p:tavLst>
+                                        <p:tav tm="0" fmla="#ppt_y-sin(pi*$)/3">
+                                          <p:val>
+                                            <p:fltVal val="0.5"/>
+                                          </p:val>
+                                        </p:tav>
+                                        <p:tav tm="100000">
+                                          <p:val>
+                                            <p:fltVal val="1"/>
+                                          </p:val>
+                                        </p:tav>
+                                      </p:tavLst>
+                                    </p:anim>
+                                    <p:anim calcmode="lin" valueType="num">
+                                      <p:cBhvr>
+                                        <p:cTn id="10" dur="664" tmFilter="0, 0; 0.125,0.2665; 0.25,0.4; 0.375,0.465; 0.5,0.5;  0.625,0.535; 0.75,0.6; 0.875,0.7335; 1,1">
+                                          <p:stCondLst>
+                                            <p:cond delay="664"/>
+                                          </p:stCondLst>
+                                        </p:cTn>
+                                        <p:tgtEl>
+                                          <p:spTgt spid="14"/>
+                                        </p:tgtEl>
+                                        <p:attrNameLst>
+                                          <p:attrName>ppt_y</p:attrName>
+                                        </p:attrNameLst>
+                                      </p:cBhvr>
+                                      <p:tavLst>
+                                        <p:tav tm="0" fmla="#ppt_y-sin(pi*$)/9">
+                                          <p:val>
+                                            <p:fltVal val="0"/>
+                                          </p:val>
+                                        </p:tav>
+                                        <p:tav tm="100000">
+                                          <p:val>
+                                            <p:fltVal val="1"/>
+                                          </p:val>
+                                        </p:tav>
+                                      </p:tavLst>
+                                    </p:anim>
+                                    <p:anim calcmode="lin" valueType="num">
+                                      <p:cBhvr>
+                                        <p:cTn id="11" dur="332" tmFilter="0, 0; 0.125,0.2665; 0.25,0.4; 0.375,0.465; 0.5,0.5;  0.625,0.535; 0.75,0.6; 0.875,0.7335; 1,1">
+                                          <p:stCondLst>
+                                            <p:cond delay="1324"/>
+                                          </p:stCondLst>
+                                        </p:cTn>
+                                        <p:tgtEl>
+                                          <p:spTgt spid="14"/>
+                                        </p:tgtEl>
+                                        <p:attrNameLst>
+                                          <p:attrName>ppt_y</p:attrName>
+                                        </p:attrNameLst>
+                                      </p:cBhvr>
+                                      <p:tavLst>
+                                        <p:tav tm="0" fmla="#ppt_y-sin(pi*$)/27">
+                                          <p:val>
+                                            <p:fltVal val="0"/>
+                                          </p:val>
+                                        </p:tav>
+                                        <p:tav tm="100000">
+                                          <p:val>
+                                            <p:fltVal val="1"/>
+                                          </p:val>
+                                        </p:tav>
+                                      </p:tavLst>
+                                    </p:anim>
+                                    <p:anim calcmode="lin" valueType="num">
+                                      <p:cBhvr>
+                                        <p:cTn id="12" dur="164" tmFilter="0, 0; 0.125,0.2665; 0.25,0.4; 0.375,0.465; 0.5,0.5;  0.625,0.535; 0.75,0.6; 0.875,0.7335; 1,1">
+                                          <p:stCondLst>
+                                            <p:cond delay="1656"/>
+                                          </p:stCondLst>
+                                        </p:cTn>
+                                        <p:tgtEl>
+                                          <p:spTgt spid="14"/>
+                                        </p:tgtEl>
+                                        <p:attrNameLst>
+                                          <p:attrName>ppt_y</p:attrName>
+                                        </p:attrNameLst>
+                                      </p:cBhvr>
+                                      <p:tavLst>
+                                        <p:tav tm="0" fmla="#ppt_y-sin(pi*$)/81">
+                                          <p:val>
+                                            <p:fltVal val="0"/>
+                                          </p:val>
+                                        </p:tav>
+                                        <p:tav tm="100000">
+                                          <p:val>
+                                            <p:fltVal val="1"/>
+                                          </p:val>
+                                        </p:tav>
+                                      </p:tavLst>
+                                    </p:anim>
+                                    <p:animScale>
+                                      <p:cBhvr>
+                                        <p:cTn id="13" dur="26">
+                                          <p:stCondLst>
+                                            <p:cond delay="650"/>
+                                          </p:stCondLst>
+                                        </p:cTn>
+                                        <p:tgtEl>
+                                          <p:spTgt spid="14"/>
+                                        </p:tgtEl>
+                                      </p:cBhvr>
+                                      <p:to x="100000" y="60000"/>
+                                    </p:animScale>
+                                    <p:animScale>
+                                      <p:cBhvr>
+                                        <p:cTn id="14" dur="166" decel="50000">
+                                          <p:stCondLst>
+                                            <p:cond delay="676"/>
+                                          </p:stCondLst>
+                                        </p:cTn>
+                                        <p:tgtEl>
+                                          <p:spTgt spid="14"/>
+                                        </p:tgtEl>
+                                      </p:cBhvr>
+                                      <p:to x="100000" y="100000"/>
+                                    </p:animScale>
+                                    <p:animScale>
+                                      <p:cBhvr>
+                                        <p:cTn id="15" dur="26">
+                                          <p:stCondLst>
+                                            <p:cond delay="1312"/>
+                                          </p:stCondLst>
+                                        </p:cTn>
+                                        <p:tgtEl>
+                                          <p:spTgt spid="14"/>
+                                        </p:tgtEl>
+                                      </p:cBhvr>
+                                      <p:to x="100000" y="80000"/>
+                                    </p:animScale>
+                                    <p:animScale>
+                                      <p:cBhvr>
+                                        <p:cTn id="16" dur="166" decel="50000">
+                                          <p:stCondLst>
+                                            <p:cond delay="1338"/>
+                                          </p:stCondLst>
+                                        </p:cTn>
+                                        <p:tgtEl>
+                                          <p:spTgt spid="14"/>
+                                        </p:tgtEl>
+                                      </p:cBhvr>
+                                      <p:to x="100000" y="100000"/>
+                                    </p:animScale>
+                                    <p:animScale>
+                                      <p:cBhvr>
+                                        <p:cTn id="17" dur="26">
+                                          <p:stCondLst>
+                                            <p:cond delay="1642"/>
+                                          </p:stCondLst>
+                                        </p:cTn>
+                                        <p:tgtEl>
+                                          <p:spTgt spid="14"/>
+                                        </p:tgtEl>
+                                      </p:cBhvr>
+                                      <p:to x="100000" y="90000"/>
+                                    </p:animScale>
+                                    <p:animScale>
+                                      <p:cBhvr>
+                                        <p:cTn id="18" dur="166" decel="50000">
+                                          <p:stCondLst>
+                                            <p:cond delay="1668"/>
+                                          </p:stCondLst>
+                                        </p:cTn>
+                                        <p:tgtEl>
+                                          <p:spTgt spid="14"/>
+                                        </p:tgtEl>
+                                      </p:cBhvr>
+                                      <p:to x="100000" y="100000"/>
+                                    </p:animScale>
+                                    <p:animScale>
+                                      <p:cBhvr>
+                                        <p:cTn id="19" dur="26">
+                                          <p:stCondLst>
+                                            <p:cond delay="1808"/>
+                                          </p:stCondLst>
+                                        </p:cTn>
+                                        <p:tgtEl>
+                                          <p:spTgt spid="14"/>
+                                        </p:tgtEl>
+                                      </p:cBhvr>
+                                      <p:to x="100000" y="95000"/>
+                                    </p:animScale>
+                                    <p:animScale>
+                                      <p:cBhvr>
+                                        <p:cTn id="20" dur="166" decel="50000">
+                                          <p:stCondLst>
+                                            <p:cond delay="1834"/>
+                                          </p:stCondLst>
+                                        </p:cTn>
+                                        <p:tgtEl>
+                                          <p:spTgt spid="14"/>
+                                        </p:tgtEl>
+                                      </p:cBhvr>
+                                      <p:to x="100000" y="100000"/>
+                                    </p:animScale>
+                                  </p:childTnLst>
+                                </p:cTn>
+                              </p:par>
+                            </p:childTnLst>
+                          </p:cTn>
+                        </p:par>
+                      </p:childTnLst>
+                    </p:cTn>
+                  </p:par>
+                  <p:par>
+                    <p:cTn id="21" fill="hold">
+                      <p:stCondLst>
+                        <p:cond delay="indefinite"/>
+                      </p:stCondLst>
+                      <p:childTnLst>
+                        <p:par>
+                          <p:cTn id="22" fill="hold">
+                            <p:stCondLst>
+                              <p:cond delay="0"/>
+                            </p:stCondLst>
+                            <p:childTnLst>
+                              <p:par>
+                                <p:cTn id="23" presetID="16" presetClass="entr" presetSubtype="21" fill="hold" nodeType="clickEffect">
+                                  <p:stCondLst>
+                                    <p:cond delay="0"/>
+                                  </p:stCondLst>
+                                  <p:childTnLst>
+                                    <p:set>
+                                      <p:cBhvr>
+                                        <p:cTn id="24" dur="1" fill="hold">
+                                          <p:stCondLst>
+                                            <p:cond delay="0"/>
+                                          </p:stCondLst>
+                                        </p:cTn>
+                                        <p:tgtEl>
+                                          <p:spTgt spid="21"/>
+                                        </p:tgtEl>
+                                        <p:attrNameLst>
+                                          <p:attrName>style.visibility</p:attrName>
+                                        </p:attrNameLst>
+                                      </p:cBhvr>
+                                      <p:to>
+                                        <p:strVal val="visible"/>
+                                      </p:to>
+                                    </p:set>
+                                    <p:animEffect transition="in" filter="barn(inVertical)">
+                                      <p:cBhvr>
+                                        <p:cTn id="25" dur="500"/>
+                                        <p:tgtEl>
+                                          <p:spTgt spid="21"/>
+                                        </p:tgtEl>
+                                      </p:cBhvr>
+                                    </p:animEffect>
+                                  </p:childTnLst>
+                                </p:cTn>
+                              </p:par>
+                            </p:childTnLst>
+                          </p:cTn>
+                        </p:par>
+                      </p:childTnLst>
+                    </p:cTn>
+                  </p:par>
+                  <p:par>
+                    <p:cTn id="26" fill="hold">
+                      <p:stCondLst>
+                        <p:cond delay="indefinite"/>
+                      </p:stCondLst>
+                      <p:childTnLst>
+                        <p:par>
+                          <p:cTn id="27" fill="hold">
+                            <p:stCondLst>
+                              <p:cond delay="0"/>
+                            </p:stCondLst>
+                            <p:childTnLst>
+                              <p:par>
+                                <p:cTn id="28" presetID="45" presetClass="entr" presetSubtype="0" fill="hold" nodeType="clickEffect">
+                                  <p:stCondLst>
+                                    <p:cond delay="0"/>
+                                  </p:stCondLst>
+                                  <p:childTnLst>
+                                    <p:set>
+                                      <p:cBhvr>
+                                        <p:cTn id="29" dur="1" fill="hold">
+                                          <p:stCondLst>
+                                            <p:cond delay="0"/>
+                                          </p:stCondLst>
+                                        </p:cTn>
+                                        <p:tgtEl>
+                                          <p:spTgt spid="27"/>
+                                        </p:tgtEl>
+                                        <p:attrNameLst>
+                                          <p:attrName>style.visibility</p:attrName>
+                                        </p:attrNameLst>
+                                      </p:cBhvr>
+                                      <p:to>
+                                        <p:strVal val="visible"/>
+                                      </p:to>
+                                    </p:set>
+                                    <p:animEffect transition="in" filter="fade">
+                                      <p:cBhvr>
+                                        <p:cTn id="30" dur="2000"/>
+                                        <p:tgtEl>
+                                          <p:spTgt spid="27"/>
+                                        </p:tgtEl>
+                                      </p:cBhvr>
+                                    </p:animEffect>
+                                    <p:anim calcmode="lin" valueType="num">
+                                      <p:cBhvr>
+                                        <p:cTn id="31" dur="2000" fill="hold"/>
+                                        <p:tgtEl>
+                                          <p:spTgt spid="27"/>
+                                        </p:tgtEl>
+                                        <p:attrNameLst>
+                                          <p:attrName>ppt_w</p:attrName>
+                                        </p:attrNameLst>
+                                      </p:cBhvr>
+                                      <p:tavLst>
+                                        <p:tav tm="0" fmla="#ppt_w*sin(2.5*pi*$)">
+                                          <p:val>
+                                            <p:fltVal val="0"/>
+                                          </p:val>
+                                        </p:tav>
+                                        <p:tav tm="100000">
+                                          <p:val>
+                                            <p:fltVal val="1"/>
+                                          </p:val>
+                                        </p:tav>
+                                      </p:tavLst>
+                                    </p:anim>
+                                    <p:anim calcmode="lin" valueType="num">
+                                      <p:cBhvr>
+                                        <p:cTn id="32" dur="2000" fill="hold"/>
+                                        <p:tgtEl>
+                                          <p:spTgt spid="27"/>
+                                        </p:tgtEl>
+                                        <p:attrNameLst>
+                                          <p:attrName>ppt_h</p:attrName>
+                                        </p:attrNameLst>
+                                      </p:cBhvr>
+                                      <p:tavLst>
+                                        <p:tav tm="0">
+                                          <p:val>
+                                            <p:strVal val="#ppt_h"/>
+                                          </p:val>
+                                        </p:tav>
+                                        <p:tav tm="100000">
+                                          <p:val>
+                                            <p:strVal val="#ppt_h"/>
+                                          </p:val>
+                                        </p:tav>
+                                      </p:tavLst>
+                                    </p:anim>
+                                  </p:childTnLst>
+                                </p:cTn>
+                              </p:par>
+                            </p:childTnLst>
+                          </p:cTn>
+                        </p:par>
+                      </p:childTnLst>
+                    </p:cTn>
+                  </p:par>
+                </p:childTnLst>
+              </p:cTn>
+              <p:prevCondLst>
+                <p:cond evt="onPrev" delay="0">
+                  <p:tgtEl>
+                    <p:sldTgt/>
+                  </p:tgtEl>
+                </p:cond>
+              </p:prevCondLst>
+              <p:nextCondLst>
+                <p:cond evt="onNext" delay="0">
+                  <p:tgtEl>
+                    <p:sldTgt/>
+                  </p:tgtEl>
+                </p:cond>
+              </p:nextCondLst>
+            </p:seq>
+          </p:childTnLst>
+        </p:cTn>
+      </p:par>
+    </p:tnLst>
+  </p:timing>
+</p:sld>
+</file>
+
+<file path=ppt/slides/slide5.xml><?xml version="1.0" encoding="utf-8"?>
+<p:sld xmlns:a="http://schemas.openxmlformats.org/drawingml/2006/main" xmlns:r="http://schemas.openxmlformats.org/officeDocument/2006/relationships" xmlns:p="http://schemas.openxmlformats.org/presentationml/2006/main">
+  <p:cSld>
+    <p:spTree>
+      <p:nvGrpSpPr>
+        <p:cNvPr id="1" name=""/>
+        <p:cNvGrpSpPr/>
+        <p:nvPr/>
+      </p:nvGrpSpPr>
+      <p:grpSpPr>
+        <a:xfrm>
+          <a:off x="0" y="0"/>
+          <a:ext cx="0" cy="0"/>
+          <a:chOff x="0" y="0"/>
+          <a:chExt cx="0" cy="0"/>
+        </a:xfrm>
+      </p:grpSpPr>
+      <p:sp>
+        <p:nvSpPr>
+          <p:cNvPr id="2" name="ชื่อเรื่อง 1">
+            <a:extLst>
+              <a:ext uri="{FF2B5EF4-FFF2-40B4-BE49-F238E27FC236}">
+                <a16:creationId xmlns:a16="http://schemas.microsoft.com/office/drawing/2014/main" id="{2113F00C-9CA4-4CA7-BB35-0ADB656B1EE6}"/>
+              </a:ext>
+            </a:extLst>
+          </p:cNvPr>
+          <p:cNvSpPr>
+            <a:spLocks noGrp="1"/>
+          </p:cNvSpPr>
+          <p:nvPr>
+            <p:ph type="title"/>
+          </p:nvPr>
+        </p:nvSpPr>
+        <p:spPr/>
+        <p:txBody>
+          <a:bodyPr>
+            <a:normAutofit/>
+          </a:bodyPr>
+          <a:lstStyle/>
+          <a:p>
+            <a:r>
+              <a:rPr lang="en-US" sz="4000" dirty="0"/>
+              <a:t>Why not have the tools to decide on restaurants?</a:t>
+            </a:r>
+          </a:p>
+        </p:txBody>
+      </p:sp>
+      <p:sp>
+        <p:nvSpPr>
+          <p:cNvPr id="3" name="ตัวแทนเนื้อหา 2">
+            <a:extLst>
+              <a:ext uri="{FF2B5EF4-FFF2-40B4-BE49-F238E27FC236}">
+                <a16:creationId xmlns:a16="http://schemas.microsoft.com/office/drawing/2014/main" id="{9D2E0D6D-B42D-4BC9-9642-599148D76E8A}"/>
+              </a:ext>
+            </a:extLst>
+          </p:cNvPr>
+          <p:cNvSpPr>
+            <a:spLocks noGrp="1"/>
+          </p:cNvSpPr>
+          <p:nvPr>
+            <p:ph idx="1"/>
+          </p:nvPr>
+        </p:nvSpPr>
+        <p:spPr/>
+        <p:txBody>
+          <a:bodyPr/>
+          <a:lstStyle/>
+          <a:p>
+            <a:r>
+              <a:rPr lang="en-US" dirty="0"/>
+              <a:t>They demand a tools which could automatically monitor and perform real-time sentiment analysis on the large contents to  enhance the user’s search experience.</a:t>
+            </a:r>
+          </a:p>
+        </p:txBody>
+      </p:sp>
+    </p:spTree>
+    <p:extLst>
+      <p:ext uri="{BB962C8B-B14F-4D97-AF65-F5344CB8AC3E}">
+        <p14:creationId xmlns:p14="http://schemas.microsoft.com/office/powerpoint/2010/main" val="857226659"/>
+      </p:ext>
+    </p:extLst>
+  </p:cSld>
+  <p:clrMapOvr>
+    <a:masterClrMapping/>
+  </p:clrMapOvr>
+</p:sld>
+</file>
+
+<file path=ppt/slides/slide6.xml><?xml version="1.0" encoding="utf-8"?>
+<p:sld xmlns:a="http://schemas.openxmlformats.org/drawingml/2006/main" xmlns:r="http://schemas.openxmlformats.org/officeDocument/2006/relationships" xmlns:p="http://schemas.openxmlformats.org/presentationml/2006/main">
+  <p:cSld>
+    <p:spTree>
+      <p:nvGrpSpPr>
+        <p:cNvPr id="1" name=""/>
+        <p:cNvGrpSpPr/>
+        <p:nvPr/>
+      </p:nvGrpSpPr>
+      <p:grpSpPr>
+        <a:xfrm>
+          <a:off x="0" y="0"/>
+          <a:ext cx="0" cy="0"/>
+          <a:chOff x="0" y="0"/>
+          <a:chExt cx="0" cy="0"/>
+        </a:xfrm>
+      </p:grpSpPr>
+      <p:sp>
+        <p:nvSpPr>
+          <p:cNvPr id="2" name="ชื่อเรื่อง 1">
+            <a:extLst>
+              <a:ext uri="{FF2B5EF4-FFF2-40B4-BE49-F238E27FC236}">
+                <a16:creationId xmlns:a16="http://schemas.microsoft.com/office/drawing/2014/main" id="{42EBFE4D-013F-4A38-850E-FF8CB8D9604E}"/>
+              </a:ext>
+            </a:extLst>
+          </p:cNvPr>
+          <p:cNvSpPr>
+            <a:spLocks noGrp="1"/>
+          </p:cNvSpPr>
+          <p:nvPr>
+            <p:ph type="title"/>
+          </p:nvPr>
+        </p:nvSpPr>
+        <p:spPr/>
+        <p:txBody>
+          <a:bodyPr/>
+          <a:lstStyle/>
+          <a:p>
+            <a:r>
+              <a:rPr lang="en-US" dirty="0"/>
+              <a:t>In this Project</a:t>
+            </a:r>
+          </a:p>
+        </p:txBody>
+      </p:sp>
+      <p:sp>
+        <p:nvSpPr>
+          <p:cNvPr id="3" name="ตัวแทนเนื้อหา 2">
+            <a:extLst>
+              <a:ext uri="{FF2B5EF4-FFF2-40B4-BE49-F238E27FC236}">
+                <a16:creationId xmlns:a16="http://schemas.microsoft.com/office/drawing/2014/main" id="{9B0BFEEB-0882-4D5F-840D-1DB4EC25479D}"/>
+              </a:ext>
+            </a:extLst>
+          </p:cNvPr>
+          <p:cNvSpPr>
+            <a:spLocks noGrp="1"/>
+          </p:cNvSpPr>
+          <p:nvPr>
+            <p:ph idx="1"/>
+          </p:nvPr>
+        </p:nvSpPr>
+        <p:spPr/>
+        <p:txBody>
+          <a:bodyPr/>
+          <a:lstStyle/>
+          <a:p>
+            <a:r>
+              <a:rPr lang="en-US" dirty="0"/>
+              <a:t>We propose a social sensing tools for monitoring and performing real-time analysis if review text in the social media contents</a:t>
+            </a:r>
+          </a:p>
+        </p:txBody>
+      </p:sp>
+      <p:pic>
+        <p:nvPicPr>
+          <p:cNvPr id="4" name="Picture 32">
+            <a:extLst>
+              <a:ext uri="{FF2B5EF4-FFF2-40B4-BE49-F238E27FC236}">
+                <a16:creationId xmlns:a16="http://schemas.microsoft.com/office/drawing/2014/main" id="{AD9A23E8-D0D8-4B3F-AAA1-179740C5E8D1}"/>
+              </a:ext>
+            </a:extLst>
+          </p:cNvPr>
+          <p:cNvPicPr/>
+          <p:nvPr/>
+        </p:nvPicPr>
+        <p:blipFill rotWithShape="1">
+          <a:blip r:embed="rId2" cstate="print">
+            <a:extLst>
+              <a:ext uri="{28A0092B-C50C-407E-A947-70E740481C1C}">
+                <a14:useLocalDpi xmlns:a14="http://schemas.microsoft.com/office/drawing/2010/main" val="0"/>
+              </a:ext>
+            </a:extLst>
+          </a:blip>
+          <a:srcRect b="13427"/>
+          <a:stretch/>
+        </p:blipFill>
+        <p:spPr bwMode="auto">
+          <a:xfrm>
+            <a:off x="1022984" y="2881926"/>
+            <a:ext cx="5936615" cy="2569294"/>
+          </a:xfrm>
+          <a:prstGeom prst="rect">
+            <a:avLst/>
+          </a:prstGeom>
+          <a:ln>
+            <a:noFill/>
+          </a:ln>
+          <a:extLst>
+            <a:ext uri="{53640926-AAD7-44D8-BBD7-CCE9431645EC}">
+              <a14:shadowObscured xmlns:a14="http://schemas.microsoft.com/office/drawing/2010/main"/>
+            </a:ext>
+          </a:extLst>
+        </p:spPr>
+      </p:pic>
+      <p:sp>
+        <p:nvSpPr>
+          <p:cNvPr id="6" name="สี่เหลี่ยมผืนผ้า 5">
+            <a:extLst>
+              <a:ext uri="{FF2B5EF4-FFF2-40B4-BE49-F238E27FC236}">
+                <a16:creationId xmlns:a16="http://schemas.microsoft.com/office/drawing/2014/main" id="{A8089344-F755-47B4-B693-6D598CCD5342}"/>
+              </a:ext>
+            </a:extLst>
+          </p:cNvPr>
+          <p:cNvSpPr/>
+          <p:nvPr/>
+        </p:nvSpPr>
+        <p:spPr>
+          <a:xfrm>
+            <a:off x="2287847" y="4882634"/>
+            <a:ext cx="1469505" cy="369332"/>
+          </a:xfrm>
+          <a:prstGeom prst="rect">
+            <a:avLst/>
+          </a:prstGeom>
+        </p:spPr>
+        <p:txBody>
+          <a:bodyPr wrap="none">
+            <a:spAutoFit/>
+          </a:bodyPr>
+          <a:lstStyle/>
+          <a:p>
+            <a:r>
+              <a:rPr lang="en-US" dirty="0"/>
+              <a:t>retrieval part:</a:t>
+            </a:r>
+          </a:p>
+        </p:txBody>
+      </p:sp>
+      <p:sp>
+        <p:nvSpPr>
+          <p:cNvPr id="7" name="สี่เหลี่ยมผืนผ้า 6">
+            <a:extLst>
+              <a:ext uri="{FF2B5EF4-FFF2-40B4-BE49-F238E27FC236}">
+                <a16:creationId xmlns:a16="http://schemas.microsoft.com/office/drawing/2014/main" id="{12F8D06F-6593-4256-AFBF-B36494129169}"/>
+              </a:ext>
+            </a:extLst>
+          </p:cNvPr>
+          <p:cNvSpPr/>
+          <p:nvPr/>
+        </p:nvSpPr>
+        <p:spPr>
+          <a:xfrm>
+            <a:off x="3991292" y="4882634"/>
+            <a:ext cx="1420069" cy="369332"/>
+          </a:xfrm>
+          <a:prstGeom prst="rect">
+            <a:avLst/>
+          </a:prstGeom>
+        </p:spPr>
+        <p:txBody>
+          <a:bodyPr wrap="none">
+            <a:spAutoFit/>
+          </a:bodyPr>
+          <a:lstStyle/>
+          <a:p>
+            <a:r>
+              <a:rPr lang="en-US" dirty="0"/>
+              <a:t>analysis part:</a:t>
+            </a:r>
+          </a:p>
+        </p:txBody>
+      </p:sp>
+      <p:sp>
+        <p:nvSpPr>
+          <p:cNvPr id="8" name="สี่เหลี่ยมผืนผ้า 7">
+            <a:extLst>
+              <a:ext uri="{FF2B5EF4-FFF2-40B4-BE49-F238E27FC236}">
+                <a16:creationId xmlns:a16="http://schemas.microsoft.com/office/drawing/2014/main" id="{C70BC2A7-4897-4A90-B853-06379088DA41}"/>
+              </a:ext>
+            </a:extLst>
+          </p:cNvPr>
+          <p:cNvSpPr/>
+          <p:nvPr/>
+        </p:nvSpPr>
+        <p:spPr>
+          <a:xfrm>
+            <a:off x="5411361" y="5067300"/>
+            <a:ext cx="2087879" cy="369332"/>
+          </a:xfrm>
+          <a:prstGeom prst="rect">
+            <a:avLst/>
+          </a:prstGeom>
+        </p:spPr>
+        <p:txBody>
+          <a:bodyPr wrap="none">
+            <a:spAutoFit/>
+          </a:bodyPr>
+          <a:lstStyle/>
+          <a:p>
+            <a:r>
+              <a:rPr lang="en-US" dirty="0"/>
+              <a:t>communication part</a:t>
+            </a:r>
+          </a:p>
+        </p:txBody>
+      </p:sp>
+    </p:spTree>
+    <p:extLst>
+      <p:ext uri="{BB962C8B-B14F-4D97-AF65-F5344CB8AC3E}">
+        <p14:creationId xmlns:p14="http://schemas.microsoft.com/office/powerpoint/2010/main" val="3255710061"/>
+      </p:ext>
+    </p:extLst>
+  </p:cSld>
+  <p:clrMapOvr>
+    <a:masterClrMapping/>
+  </p:clrMapOvr>
+</p:sld>
+</file>
+
+<file path=ppt/slides/slide7.xml><?xml version="1.0" encoding="utf-8"?>
+<p:sld xmlns:a="http://schemas.openxmlformats.org/drawingml/2006/main" xmlns:r="http://schemas.openxmlformats.org/officeDocument/2006/relationships" xmlns:p="http://schemas.openxmlformats.org/presentationml/2006/main">
+  <p:cSld>
+    <p:spTree>
+      <p:nvGrpSpPr>
+        <p:cNvPr id="1" name=""/>
+        <p:cNvGrpSpPr/>
+        <p:nvPr/>
+      </p:nvGrpSpPr>
+      <p:grpSpPr>
+        <a:xfrm>
+          <a:off x="0" y="0"/>
+          <a:ext cx="0" cy="0"/>
+          <a:chOff x="0" y="0"/>
+          <a:chExt cx="0" cy="0"/>
+        </a:xfrm>
+      </p:grpSpPr>
+      <p:sp>
+        <p:nvSpPr>
+          <p:cNvPr id="2" name="ชื่อเรื่อง 1">
+            <a:extLst>
+              <a:ext uri="{FF2B5EF4-FFF2-40B4-BE49-F238E27FC236}">
+                <a16:creationId xmlns:a16="http://schemas.microsoft.com/office/drawing/2014/main" id="{5283D474-9667-4C11-AE5C-132EE32FE4E7}"/>
+              </a:ext>
+            </a:extLst>
+          </p:cNvPr>
+          <p:cNvSpPr>
+            <a:spLocks noGrp="1"/>
+          </p:cNvSpPr>
+          <p:nvPr>
+            <p:ph type="title"/>
+          </p:nvPr>
+        </p:nvSpPr>
+        <p:spPr/>
+        <p:txBody>
+          <a:bodyPr/>
+          <a:lstStyle/>
+          <a:p>
+            <a:r>
+              <a:rPr lang="en-US" b="1" dirty="0"/>
+              <a:t>Project Objectives</a:t>
+            </a:r>
+            <a:endParaRPr lang="en-US" dirty="0"/>
+          </a:p>
+        </p:txBody>
+      </p:sp>
+      <p:sp>
+        <p:nvSpPr>
+          <p:cNvPr id="3" name="ตัวแทนเนื้อหา 2">
+            <a:extLst>
+              <a:ext uri="{FF2B5EF4-FFF2-40B4-BE49-F238E27FC236}">
+                <a16:creationId xmlns:a16="http://schemas.microsoft.com/office/drawing/2014/main" id="{5F49BDDC-7F0C-48EE-B5CF-65F56CE4BA22}"/>
+              </a:ext>
+            </a:extLst>
+          </p:cNvPr>
+          <p:cNvSpPr>
+            <a:spLocks noGrp="1"/>
+          </p:cNvSpPr>
+          <p:nvPr>
+            <p:ph idx="1"/>
+          </p:nvPr>
+        </p:nvSpPr>
+        <p:spPr/>
+        <p:txBody>
+          <a:bodyPr/>
+          <a:lstStyle/>
+          <a:p>
+            <a:r>
+              <a:rPr lang="en-US" dirty="0"/>
+              <a:t>Design and develop an automated tool to monitor and suggest restaurants to analyze social media content.</a:t>
+            </a:r>
+          </a:p>
+        </p:txBody>
+      </p:sp>
+    </p:spTree>
+    <p:extLst>
+      <p:ext uri="{BB962C8B-B14F-4D97-AF65-F5344CB8AC3E}">
+        <p14:creationId xmlns:p14="http://schemas.microsoft.com/office/powerpoint/2010/main" val="1868447219"/>
+      </p:ext>
+    </p:extLst>
+  </p:cSld>
+  <p:clrMapOvr>
+    <a:masterClrMapping/>
+  </p:clrMapOvr>
+</p:sld>
+</file>
+
+<file path=ppt/slides/slide8.xml><?xml version="1.0" encoding="utf-8"?>
+<p:sld xmlns:a="http://schemas.openxmlformats.org/drawingml/2006/main" xmlns:r="http://schemas.openxmlformats.org/officeDocument/2006/relationships" xmlns:p="http://schemas.openxmlformats.org/presentationml/2006/main">
+  <p:cSld>
+    <p:spTree>
+      <p:nvGrpSpPr>
+        <p:cNvPr id="1" name=""/>
+        <p:cNvGrpSpPr/>
+        <p:nvPr/>
+      </p:nvGrpSpPr>
+      <p:grpSpPr>
+        <a:xfrm>
+          <a:off x="0" y="0"/>
+          <a:ext cx="0" cy="0"/>
+          <a:chOff x="0" y="0"/>
+          <a:chExt cx="0" cy="0"/>
+        </a:xfrm>
+      </p:grpSpPr>
+      <p:sp>
+        <p:nvSpPr>
+          <p:cNvPr id="2" name="ชื่อเรื่อง 1">
+            <a:extLst>
+              <a:ext uri="{FF2B5EF4-FFF2-40B4-BE49-F238E27FC236}">
+                <a16:creationId xmlns:a16="http://schemas.microsoft.com/office/drawing/2014/main" id="{8AA84962-70B1-4E50-9CCC-387856B220A9}"/>
+              </a:ext>
+            </a:extLst>
+          </p:cNvPr>
+          <p:cNvSpPr>
+            <a:spLocks noGrp="1"/>
+          </p:cNvSpPr>
+          <p:nvPr>
+            <p:ph type="title"/>
+          </p:nvPr>
+        </p:nvSpPr>
+        <p:spPr/>
+        <p:txBody>
+          <a:bodyPr/>
+          <a:lstStyle/>
+          <a:p>
+            <a:r>
+              <a:rPr lang="en-US" b="1" dirty="0"/>
+              <a:t>Scope of the project</a:t>
+            </a:r>
+            <a:endParaRPr lang="en-US" dirty="0"/>
+          </a:p>
+        </p:txBody>
+      </p:sp>
+      <p:sp>
+        <p:nvSpPr>
+          <p:cNvPr id="3" name="ตัวแทนเนื้อหา 2">
+            <a:extLst>
+              <a:ext uri="{FF2B5EF4-FFF2-40B4-BE49-F238E27FC236}">
+                <a16:creationId xmlns:a16="http://schemas.microsoft.com/office/drawing/2014/main" id="{274C4409-3789-4921-9B45-5A712EC33BDF}"/>
+              </a:ext>
+            </a:extLst>
+          </p:cNvPr>
+          <p:cNvSpPr>
+            <a:spLocks noGrp="1"/>
+          </p:cNvSpPr>
+          <p:nvPr>
+            <p:ph idx="1"/>
+          </p:nvPr>
+        </p:nvSpPr>
+        <p:spPr/>
+        <p:txBody>
+          <a:bodyPr/>
+          <a:lstStyle/>
+          <a:p>
+            <a:pPr lvl="0"/>
+            <a:r>
+              <a:rPr lang="en-US" dirty="0"/>
+              <a:t>We only focus on the restaurants in Bangkok and available in </a:t>
+            </a:r>
+            <a:r>
+              <a:rPr lang="en-US" dirty="0" err="1"/>
+              <a:t>Wongnai</a:t>
+            </a:r>
+            <a:r>
+              <a:rPr lang="en-US" dirty="0"/>
+              <a:t>. </a:t>
+            </a:r>
+          </a:p>
+          <a:p>
+            <a:pPr lvl="0"/>
+            <a:r>
+              <a:rPr lang="en-US" dirty="0"/>
+              <a:t>We retrieve only Thai review texts from two popular social media: </a:t>
+            </a:r>
+            <a:r>
+              <a:rPr lang="en-US" dirty="0" err="1"/>
+              <a:t>Wongnai</a:t>
+            </a:r>
+            <a:r>
+              <a:rPr lang="en-US" dirty="0"/>
+              <a:t> and Twitter. </a:t>
+            </a:r>
+          </a:p>
+          <a:p>
+            <a:pPr lvl="0"/>
+            <a:r>
+              <a:rPr lang="en-US" dirty="0"/>
+              <a:t>We implement a rule-based chatbot on Line Chatbot or Facebook platform using Wit.ai with simple questions. </a:t>
+            </a:r>
+          </a:p>
+          <a:p>
+            <a:endParaRPr lang="en-US" dirty="0"/>
+          </a:p>
+        </p:txBody>
+      </p:sp>
+    </p:spTree>
+    <p:extLst>
+      <p:ext uri="{BB962C8B-B14F-4D97-AF65-F5344CB8AC3E}">
+        <p14:creationId xmlns:p14="http://schemas.microsoft.com/office/powerpoint/2010/main" val="3690791267"/>
+      </p:ext>
+    </p:extLst>
+  </p:cSld>
+  <p:clrMapOvr>
+    <a:masterClrMapping/>
+  </p:clrMapOvr>
+</p:sld>
+</file>
+
+<file path=ppt/slides/slide9.xml><?xml version="1.0" encoding="utf-8"?>
+<p:sld xmlns:a="http://schemas.openxmlformats.org/drawingml/2006/main" xmlns:r="http://schemas.openxmlformats.org/officeDocument/2006/relationships" xmlns:p="http://schemas.openxmlformats.org/presentationml/2006/main">
+  <p:cSld>
+    <p:spTree>
+      <p:nvGrpSpPr>
+        <p:cNvPr id="1" name=""/>
+        <p:cNvGrpSpPr/>
+        <p:nvPr/>
+      </p:nvGrpSpPr>
+      <p:grpSpPr>
+        <a:xfrm>
+          <a:off x="0" y="0"/>
+          <a:ext cx="0" cy="0"/>
+          <a:chOff x="0" y="0"/>
+          <a:chExt cx="0" cy="0"/>
+        </a:xfrm>
+      </p:grpSpPr>
+      <p:sp>
+        <p:nvSpPr>
+          <p:cNvPr id="2" name="ชื่อเรื่อง 1">
+            <a:extLst>
+              <a:ext uri="{FF2B5EF4-FFF2-40B4-BE49-F238E27FC236}">
+                <a16:creationId xmlns:a16="http://schemas.microsoft.com/office/drawing/2014/main" id="{C40F3085-9993-4B5D-8089-8E4555EDAD7A}"/>
+              </a:ext>
+            </a:extLst>
+          </p:cNvPr>
+          <p:cNvSpPr>
+            <a:spLocks noGrp="1"/>
+          </p:cNvSpPr>
+          <p:nvPr>
+            <p:ph type="title"/>
+          </p:nvPr>
+        </p:nvSpPr>
+        <p:spPr/>
+        <p:txBody>
+          <a:bodyPr/>
+          <a:lstStyle/>
+          <a:p>
+            <a:r>
+              <a:rPr lang="en-US" b="1" dirty="0"/>
+              <a:t> Benefits</a:t>
+            </a:r>
+            <a:endParaRPr lang="en-US" dirty="0"/>
+          </a:p>
+        </p:txBody>
+      </p:sp>
+      <p:sp>
+        <p:nvSpPr>
+          <p:cNvPr id="3" name="ตัวแทนเนื้อหา 2">
+            <a:extLst>
+              <a:ext uri="{FF2B5EF4-FFF2-40B4-BE49-F238E27FC236}">
+                <a16:creationId xmlns:a16="http://schemas.microsoft.com/office/drawing/2014/main" id="{DBD31935-1860-438D-8551-F8A134DAD224}"/>
+              </a:ext>
+            </a:extLst>
+          </p:cNvPr>
+          <p:cNvSpPr>
+            <a:spLocks noGrp="1"/>
+          </p:cNvSpPr>
+          <p:nvPr>
+            <p:ph idx="1"/>
+          </p:nvPr>
+        </p:nvSpPr>
+        <p:spPr/>
+        <p:txBody>
+          <a:bodyPr/>
+          <a:lstStyle/>
+          <a:p>
+            <a:r>
+              <a:rPr lang="en-US" dirty="0"/>
+              <a:t>To improve user’s search experience in restaurant  seeking.  </a:t>
+            </a:r>
+          </a:p>
+          <a:p>
+            <a:r>
+              <a:rPr lang="en-US" dirty="0"/>
+              <a:t>-  Restaurant owners could seek real-time feedback from customers to improve Customer Relationship </a:t>
+            </a:r>
+          </a:p>
+          <a:p>
+            <a:r>
+              <a:rPr lang="en-US" dirty="0"/>
+              <a:t>    Management (CRM).</a:t>
+            </a:r>
+          </a:p>
+          <a:p>
+            <a:endParaRPr lang="en-US" dirty="0"/>
+          </a:p>
+        </p:txBody>
+      </p:sp>
+    </p:spTree>
+    <p:extLst>
+      <p:ext uri="{BB962C8B-B14F-4D97-AF65-F5344CB8AC3E}">
+        <p14:creationId xmlns:p14="http://schemas.microsoft.com/office/powerpoint/2010/main" val="119451138"/>
       </p:ext>
     </p:extLst>
   </p:cSld>
